--- a/images/2023-03-01-diagonalization/diagonalization_1-5-3.pptx
+++ b/images/2023-03-01-diagonalization/diagonalization_1-5-3.pptx
@@ -272,7 +272,7 @@
           <a:p>
             <a:fld id="{7380381F-0DDB-4270-AE87-A2503D55DDF7}" type="datetimeFigureOut">
               <a:rPr lang="ko-KR" altLang="en-US" smtClean="0"/>
-              <a:t>2023-03-14</a:t>
+              <a:t>2023-03-15</a:t>
             </a:fld>
             <a:endParaRPr lang="ko-KR" altLang="en-US"/>
           </a:p>
@@ -470,7 +470,7 @@
           <a:p>
             <a:fld id="{7380381F-0DDB-4270-AE87-A2503D55DDF7}" type="datetimeFigureOut">
               <a:rPr lang="ko-KR" altLang="en-US" smtClean="0"/>
-              <a:t>2023-03-14</a:t>
+              <a:t>2023-03-15</a:t>
             </a:fld>
             <a:endParaRPr lang="ko-KR" altLang="en-US"/>
           </a:p>
@@ -678,7 +678,7 @@
           <a:p>
             <a:fld id="{7380381F-0DDB-4270-AE87-A2503D55DDF7}" type="datetimeFigureOut">
               <a:rPr lang="ko-KR" altLang="en-US" smtClean="0"/>
-              <a:t>2023-03-14</a:t>
+              <a:t>2023-03-15</a:t>
             </a:fld>
             <a:endParaRPr lang="ko-KR" altLang="en-US"/>
           </a:p>
@@ -876,7 +876,7 @@
           <a:p>
             <a:fld id="{7380381F-0DDB-4270-AE87-A2503D55DDF7}" type="datetimeFigureOut">
               <a:rPr lang="ko-KR" altLang="en-US" smtClean="0"/>
-              <a:t>2023-03-14</a:t>
+              <a:t>2023-03-15</a:t>
             </a:fld>
             <a:endParaRPr lang="ko-KR" altLang="en-US"/>
           </a:p>
@@ -1151,7 +1151,7 @@
           <a:p>
             <a:fld id="{7380381F-0DDB-4270-AE87-A2503D55DDF7}" type="datetimeFigureOut">
               <a:rPr lang="ko-KR" altLang="en-US" smtClean="0"/>
-              <a:t>2023-03-14</a:t>
+              <a:t>2023-03-15</a:t>
             </a:fld>
             <a:endParaRPr lang="ko-KR" altLang="en-US"/>
           </a:p>
@@ -1416,7 +1416,7 @@
           <a:p>
             <a:fld id="{7380381F-0DDB-4270-AE87-A2503D55DDF7}" type="datetimeFigureOut">
               <a:rPr lang="ko-KR" altLang="en-US" smtClean="0"/>
-              <a:t>2023-03-14</a:t>
+              <a:t>2023-03-15</a:t>
             </a:fld>
             <a:endParaRPr lang="ko-KR" altLang="en-US"/>
           </a:p>
@@ -1828,7 +1828,7 @@
           <a:p>
             <a:fld id="{7380381F-0DDB-4270-AE87-A2503D55DDF7}" type="datetimeFigureOut">
               <a:rPr lang="ko-KR" altLang="en-US" smtClean="0"/>
-              <a:t>2023-03-14</a:t>
+              <a:t>2023-03-15</a:t>
             </a:fld>
             <a:endParaRPr lang="ko-KR" altLang="en-US"/>
           </a:p>
@@ -1969,7 +1969,7 @@
           <a:p>
             <a:fld id="{7380381F-0DDB-4270-AE87-A2503D55DDF7}" type="datetimeFigureOut">
               <a:rPr lang="ko-KR" altLang="en-US" smtClean="0"/>
-              <a:t>2023-03-14</a:t>
+              <a:t>2023-03-15</a:t>
             </a:fld>
             <a:endParaRPr lang="ko-KR" altLang="en-US"/>
           </a:p>
@@ -2082,7 +2082,7 @@
           <a:p>
             <a:fld id="{7380381F-0DDB-4270-AE87-A2503D55DDF7}" type="datetimeFigureOut">
               <a:rPr lang="ko-KR" altLang="en-US" smtClean="0"/>
-              <a:t>2023-03-14</a:t>
+              <a:t>2023-03-15</a:t>
             </a:fld>
             <a:endParaRPr lang="ko-KR" altLang="en-US"/>
           </a:p>
@@ -2393,7 +2393,7 @@
           <a:p>
             <a:fld id="{7380381F-0DDB-4270-AE87-A2503D55DDF7}" type="datetimeFigureOut">
               <a:rPr lang="ko-KR" altLang="en-US" smtClean="0"/>
-              <a:t>2023-03-14</a:t>
+              <a:t>2023-03-15</a:t>
             </a:fld>
             <a:endParaRPr lang="ko-KR" altLang="en-US"/>
           </a:p>
@@ -2681,7 +2681,7 @@
           <a:p>
             <a:fld id="{7380381F-0DDB-4270-AE87-A2503D55DDF7}" type="datetimeFigureOut">
               <a:rPr lang="ko-KR" altLang="en-US" smtClean="0"/>
-              <a:t>2023-03-14</a:t>
+              <a:t>2023-03-15</a:t>
             </a:fld>
             <a:endParaRPr lang="ko-KR" altLang="en-US"/>
           </a:p>
@@ -2922,7 +2922,7 @@
           <a:p>
             <a:fld id="{7380381F-0DDB-4270-AE87-A2503D55DDF7}" type="datetimeFigureOut">
               <a:rPr lang="ko-KR" altLang="en-US" smtClean="0"/>
-              <a:t>2023-03-14</a:t>
+              <a:t>2023-03-15</a:t>
             </a:fld>
             <a:endParaRPr lang="ko-KR" altLang="en-US"/>
           </a:p>
@@ -3451,52 +3451,129 @@
           </a:p>
         </p:txBody>
       </p:sp>
-      <p:sp>
-        <p:nvSpPr>
-          <p:cNvPr id="7" name="TextBox 6">
-            <a:extLst>
-              <a:ext uri="{FF2B5EF4-FFF2-40B4-BE49-F238E27FC236}">
-                <a16:creationId xmlns:a16="http://schemas.microsoft.com/office/drawing/2014/main" id="{767B496E-06D1-4FAE-BCCA-4DF9A33010DF}"/>
-              </a:ext>
-            </a:extLst>
-          </p:cNvPr>
-          <p:cNvSpPr txBox="1"/>
-          <p:nvPr/>
-        </p:nvSpPr>
-        <p:spPr>
-          <a:xfrm>
-            <a:off x="619657" y="665812"/>
-            <a:ext cx="369012" cy="461665"/>
-          </a:xfrm>
-          <a:prstGeom prst="rect">
-            <a:avLst/>
-          </a:prstGeom>
-          <a:solidFill>
-            <a:schemeClr val="bg1"/>
-          </a:solidFill>
-        </p:spPr>
-        <p:txBody>
-          <a:bodyPr wrap="none" rtlCol="0">
-            <a:spAutoFit/>
-          </a:bodyPr>
-          <a:lstStyle/>
-          <a:p>
-            <a:r>
-              <a:rPr lang="en-US" altLang="ko-KR" sz="2400" i="1" dirty="0">
-                <a:latin typeface="Adobe Devanagari" panose="02040503050201020203" pitchFamily="18" charset="0"/>
-                <a:ea typeface="바탕" panose="02030600000101010101" pitchFamily="18" charset="-127"/>
-                <a:cs typeface="Adobe Devanagari" panose="02040503050201020203" pitchFamily="18" charset="0"/>
-              </a:rPr>
-              <a:t>X</a:t>
-            </a:r>
-            <a:endParaRPr lang="ko-KR" altLang="en-US" sz="2400" i="1" dirty="0">
-              <a:latin typeface="Adobe Devanagari" panose="02040503050201020203" pitchFamily="18" charset="0"/>
-              <a:ea typeface="바탕" panose="02030600000101010101" pitchFamily="18" charset="-127"/>
-              <a:cs typeface="Adobe Devanagari" panose="02040503050201020203" pitchFamily="18" charset="0"/>
-            </a:endParaRPr>
-          </a:p>
-        </p:txBody>
-      </p:sp>
+      <mc:AlternateContent xmlns:mc="http://schemas.openxmlformats.org/markup-compatibility/2006">
+        <mc:Choice xmlns:a14="http://schemas.microsoft.com/office/drawing/2010/main" Requires="a14">
+          <p:sp>
+            <p:nvSpPr>
+              <p:cNvPr id="7" name="TextBox 6">
+                <a:extLst>
+                  <a:ext uri="{FF2B5EF4-FFF2-40B4-BE49-F238E27FC236}">
+                    <a16:creationId xmlns:a16="http://schemas.microsoft.com/office/drawing/2014/main" id="{767B496E-06D1-4FAE-BCCA-4DF9A33010DF}"/>
+                  </a:ext>
+                </a:extLst>
+              </p:cNvPr>
+              <p:cNvSpPr txBox="1"/>
+              <p:nvPr/>
+            </p:nvSpPr>
+            <p:spPr>
+              <a:xfrm>
+                <a:off x="527297" y="665812"/>
+                <a:ext cx="596702" cy="461665"/>
+              </a:xfrm>
+              <a:prstGeom prst="rect">
+                <a:avLst/>
+              </a:prstGeom>
+              <a:solidFill>
+                <a:schemeClr val="bg1"/>
+              </a:solidFill>
+            </p:spPr>
+            <p:txBody>
+              <a:bodyPr wrap="none" rtlCol="0">
+                <a:spAutoFit/>
+              </a:bodyPr>
+              <a:lstStyle/>
+              <a:p>
+                <a14:m>
+                  <m:oMathPara xmlns:m="http://schemas.openxmlformats.org/officeDocument/2006/math">
+                    <m:oMathParaPr>
+                      <m:jc m:val="centerGroup"/>
+                    </m:oMathParaPr>
+                    <m:oMath xmlns:m="http://schemas.openxmlformats.org/officeDocument/2006/math">
+                      <m:sSub>
+                        <m:sSubPr>
+                          <m:ctrlPr>
+                            <a:rPr lang="en-US" altLang="ko-KR" sz="2400" i="1" smtClean="0">
+                              <a:latin typeface="Cambria Math" panose="02040503050406030204" pitchFamily="18" charset="0"/>
+                              <a:ea typeface="바탕" panose="02030600000101010101" pitchFamily="18" charset="-127"/>
+                            </a:rPr>
+                          </m:ctrlPr>
+                        </m:sSubPr>
+                        <m:e>
+                          <m:r>
+                            <a:rPr lang="en-US" altLang="ko-KR" sz="2400" b="0" i="1" smtClean="0">
+                              <a:latin typeface="Cambria Math" panose="02040503050406030204" pitchFamily="18" charset="0"/>
+                              <a:ea typeface="바탕" panose="02030600000101010101" pitchFamily="18" charset="-127"/>
+                            </a:rPr>
+                            <m:t>𝑁</m:t>
+                          </m:r>
+                        </m:e>
+                        <m:sub>
+                          <m:r>
+                            <a:rPr lang="en-US" altLang="ko-KR" sz="2400" b="0" i="1" smtClean="0">
+                              <a:latin typeface="Cambria Math" panose="02040503050406030204" pitchFamily="18" charset="0"/>
+                              <a:ea typeface="바탕" panose="02030600000101010101" pitchFamily="18" charset="-127"/>
+                            </a:rPr>
+                            <m:t>3</m:t>
+                          </m:r>
+                        </m:sub>
+                      </m:sSub>
+                    </m:oMath>
+                  </m:oMathPara>
+                </a14:m>
+                <a:endParaRPr lang="ko-KR" altLang="en-US" sz="2400" i="1" dirty="0">
+                  <a:latin typeface="Adobe Devanagari" panose="02040503050201020203" pitchFamily="18" charset="0"/>
+                  <a:ea typeface="바탕" panose="02030600000101010101" pitchFamily="18" charset="-127"/>
+                  <a:cs typeface="Adobe Devanagari" panose="02040503050201020203" pitchFamily="18" charset="0"/>
+                </a:endParaRPr>
+              </a:p>
+            </p:txBody>
+          </p:sp>
+        </mc:Choice>
+        <mc:Fallback>
+          <p:sp>
+            <p:nvSpPr>
+              <p:cNvPr id="7" name="TextBox 6">
+                <a:extLst>
+                  <a:ext uri="{FF2B5EF4-FFF2-40B4-BE49-F238E27FC236}">
+                    <a16:creationId xmlns:a16="http://schemas.microsoft.com/office/drawing/2014/main" id="{767B496E-06D1-4FAE-BCCA-4DF9A33010DF}"/>
+                  </a:ext>
+                </a:extLst>
+              </p:cNvPr>
+              <p:cNvSpPr txBox="1">
+                <a:spLocks noRot="1" noChangeAspect="1" noMove="1" noResize="1" noEditPoints="1" noAdjustHandles="1" noChangeArrowheads="1" noChangeShapeType="1" noTextEdit="1"/>
+              </p:cNvSpPr>
+              <p:nvPr/>
+            </p:nvSpPr>
+            <p:spPr>
+              <a:xfrm>
+                <a:off x="527297" y="665812"/>
+                <a:ext cx="596702" cy="461665"/>
+              </a:xfrm>
+              <a:prstGeom prst="rect">
+                <a:avLst/>
+              </a:prstGeom>
+              <a:blipFill>
+                <a:blip r:embed="rId2"/>
+                <a:stretch>
+                  <a:fillRect b="-1316"/>
+                </a:stretch>
+              </a:blipFill>
+            </p:spPr>
+            <p:txBody>
+              <a:bodyPr/>
+              <a:lstStyle/>
+              <a:p>
+                <a:r>
+                  <a:rPr lang="ko-KR" altLang="en-US">
+                    <a:noFill/>
+                  </a:rPr>
+                  <a:t> </a:t>
+                </a:r>
+              </a:p>
+            </p:txBody>
+          </p:sp>
+        </mc:Fallback>
+      </mc:AlternateContent>
       <p:cxnSp>
         <p:nvCxnSpPr>
           <p:cNvPr id="10" name="직선 화살표 연결선 9">
@@ -3648,52 +3725,130 @@
           </a:p>
         </p:txBody>
       </p:sp>
-      <p:sp>
-        <p:nvSpPr>
-          <p:cNvPr id="12" name="TextBox 11">
-            <a:extLst>
-              <a:ext uri="{FF2B5EF4-FFF2-40B4-BE49-F238E27FC236}">
-                <a16:creationId xmlns:a16="http://schemas.microsoft.com/office/drawing/2014/main" id="{857D7C81-DEF7-4107-B3FB-0C8988C7012F}"/>
-              </a:ext>
-            </a:extLst>
-          </p:cNvPr>
-          <p:cNvSpPr txBox="1"/>
-          <p:nvPr/>
-        </p:nvSpPr>
-        <p:spPr>
-          <a:xfrm>
-            <a:off x="2325650" y="665812"/>
-            <a:ext cx="360996" cy="461665"/>
-          </a:xfrm>
-          <a:prstGeom prst="rect">
-            <a:avLst/>
-          </a:prstGeom>
-          <a:solidFill>
-            <a:schemeClr val="bg1"/>
-          </a:solidFill>
-        </p:spPr>
-        <p:txBody>
-          <a:bodyPr wrap="none" rtlCol="0">
-            <a:spAutoFit/>
-          </a:bodyPr>
-          <a:lstStyle/>
-          <a:p>
-            <a:r>
-              <a:rPr lang="en-US" altLang="ko-KR" sz="2400" i="1" dirty="0">
-                <a:latin typeface="Adobe Devanagari" panose="02040503050201020203" pitchFamily="18" charset="0"/>
-                <a:ea typeface="바탕" panose="02030600000101010101" pitchFamily="18" charset="-127"/>
-                <a:cs typeface="Adobe Devanagari" panose="02040503050201020203" pitchFamily="18" charset="0"/>
-              </a:rPr>
-              <a:t>Y</a:t>
-            </a:r>
-            <a:endParaRPr lang="ko-KR" altLang="en-US" sz="2400" i="1" dirty="0">
-              <a:latin typeface="Adobe Devanagari" panose="02040503050201020203" pitchFamily="18" charset="0"/>
-              <a:ea typeface="바탕" panose="02030600000101010101" pitchFamily="18" charset="-127"/>
-              <a:cs typeface="Adobe Devanagari" panose="02040503050201020203" pitchFamily="18" charset="0"/>
-            </a:endParaRPr>
-          </a:p>
-        </p:txBody>
-      </p:sp>
+      <mc:AlternateContent xmlns:mc="http://schemas.openxmlformats.org/markup-compatibility/2006">
+        <mc:Choice xmlns:a14="http://schemas.microsoft.com/office/drawing/2010/main" Requires="a14">
+          <p:sp>
+            <p:nvSpPr>
+              <p:cNvPr id="12" name="TextBox 11">
+                <a:extLst>
+                  <a:ext uri="{FF2B5EF4-FFF2-40B4-BE49-F238E27FC236}">
+                    <a16:creationId xmlns:a16="http://schemas.microsoft.com/office/drawing/2014/main" id="{857D7C81-DEF7-4107-B3FB-0C8988C7012F}"/>
+                  </a:ext>
+                </a:extLst>
+              </p:cNvPr>
+              <p:cNvSpPr txBox="1"/>
+              <p:nvPr/>
+            </p:nvSpPr>
+            <p:spPr>
+              <a:xfrm>
+                <a:off x="2251762" y="665812"/>
+                <a:ext cx="596702" cy="461665"/>
+              </a:xfrm>
+              <a:prstGeom prst="rect">
+                <a:avLst/>
+              </a:prstGeom>
+              <a:solidFill>
+                <a:schemeClr val="bg1"/>
+              </a:solidFill>
+            </p:spPr>
+            <p:txBody>
+              <a:bodyPr wrap="none" rtlCol="0">
+                <a:spAutoFit/>
+              </a:bodyPr>
+              <a:lstStyle/>
+              <a:p>
+                <a:pPr/>
+                <a14:m>
+                  <m:oMathPara xmlns:m="http://schemas.openxmlformats.org/officeDocument/2006/math">
+                    <m:oMathParaPr>
+                      <m:jc m:val="centerGroup"/>
+                    </m:oMathParaPr>
+                    <m:oMath xmlns:m="http://schemas.openxmlformats.org/officeDocument/2006/math">
+                      <m:sSub>
+                        <m:sSubPr>
+                          <m:ctrlPr>
+                            <a:rPr lang="en-US" altLang="ko-KR" sz="2400" i="1" smtClean="0">
+                              <a:latin typeface="Cambria Math" panose="02040503050406030204" pitchFamily="18" charset="0"/>
+                              <a:ea typeface="바탕" panose="02030600000101010101" pitchFamily="18" charset="-127"/>
+                            </a:rPr>
+                          </m:ctrlPr>
+                        </m:sSubPr>
+                        <m:e>
+                          <m:r>
+                            <a:rPr lang="en-US" altLang="ko-KR" sz="2400" b="0" i="1" smtClean="0">
+                              <a:latin typeface="Cambria Math" panose="02040503050406030204" pitchFamily="18" charset="0"/>
+                              <a:ea typeface="바탕" panose="02030600000101010101" pitchFamily="18" charset="-127"/>
+                            </a:rPr>
+                            <m:t>𝑁</m:t>
+                          </m:r>
+                        </m:e>
+                        <m:sub>
+                          <m:r>
+                            <a:rPr lang="en-US" altLang="ko-KR" sz="2400" b="0" i="1" smtClean="0">
+                              <a:latin typeface="Cambria Math" panose="02040503050406030204" pitchFamily="18" charset="0"/>
+                              <a:ea typeface="바탕" panose="02030600000101010101" pitchFamily="18" charset="-127"/>
+                            </a:rPr>
+                            <m:t>3</m:t>
+                          </m:r>
+                        </m:sub>
+                      </m:sSub>
+                    </m:oMath>
+                  </m:oMathPara>
+                </a14:m>
+                <a:endParaRPr lang="ko-KR" altLang="en-US" sz="2400" i="1" dirty="0">
+                  <a:latin typeface="Adobe Devanagari" panose="02040503050201020203" pitchFamily="18" charset="0"/>
+                  <a:ea typeface="바탕" panose="02030600000101010101" pitchFamily="18" charset="-127"/>
+                  <a:cs typeface="Adobe Devanagari" panose="02040503050201020203" pitchFamily="18" charset="0"/>
+                </a:endParaRPr>
+              </a:p>
+            </p:txBody>
+          </p:sp>
+        </mc:Choice>
+        <mc:Fallback>
+          <p:sp>
+            <p:nvSpPr>
+              <p:cNvPr id="12" name="TextBox 11">
+                <a:extLst>
+                  <a:ext uri="{FF2B5EF4-FFF2-40B4-BE49-F238E27FC236}">
+                    <a16:creationId xmlns:a16="http://schemas.microsoft.com/office/drawing/2014/main" id="{857D7C81-DEF7-4107-B3FB-0C8988C7012F}"/>
+                  </a:ext>
+                </a:extLst>
+              </p:cNvPr>
+              <p:cNvSpPr txBox="1">
+                <a:spLocks noRot="1" noChangeAspect="1" noMove="1" noResize="1" noEditPoints="1" noAdjustHandles="1" noChangeArrowheads="1" noChangeShapeType="1" noTextEdit="1"/>
+              </p:cNvSpPr>
+              <p:nvPr/>
+            </p:nvSpPr>
+            <p:spPr>
+              <a:xfrm>
+                <a:off x="2251762" y="665812"/>
+                <a:ext cx="596702" cy="461665"/>
+              </a:xfrm>
+              <a:prstGeom prst="rect">
+                <a:avLst/>
+              </a:prstGeom>
+              <a:blipFill>
+                <a:blip r:embed="rId3"/>
+                <a:stretch>
+                  <a:fillRect b="-1316"/>
+                </a:stretch>
+              </a:blipFill>
+            </p:spPr>
+            <p:txBody>
+              <a:bodyPr/>
+              <a:lstStyle/>
+              <a:p>
+                <a:r>
+                  <a:rPr lang="ko-KR" altLang="en-US">
+                    <a:noFill/>
+                  </a:rPr>
+                  <a:t> </a:t>
+                </a:r>
+              </a:p>
+            </p:txBody>
+          </p:sp>
+        </mc:Fallback>
+      </mc:AlternateContent>
       <p:sp>
         <p:nvSpPr>
           <p:cNvPr id="16" name="사각형: 둥근 모서리 15">
@@ -3806,52 +3961,130 @@
           </a:p>
         </p:txBody>
       </p:sp>
-      <p:sp>
-        <p:nvSpPr>
-          <p:cNvPr id="17" name="TextBox 16">
-            <a:extLst>
-              <a:ext uri="{FF2B5EF4-FFF2-40B4-BE49-F238E27FC236}">
-                <a16:creationId xmlns:a16="http://schemas.microsoft.com/office/drawing/2014/main" id="{BA002CE3-51B1-4107-9FFA-14EA838BA661}"/>
-              </a:ext>
-            </a:extLst>
-          </p:cNvPr>
-          <p:cNvSpPr txBox="1"/>
-          <p:nvPr/>
-        </p:nvSpPr>
-        <p:spPr>
-          <a:xfrm>
-            <a:off x="4462116" y="665812"/>
-            <a:ext cx="369012" cy="461665"/>
-          </a:xfrm>
-          <a:prstGeom prst="rect">
-            <a:avLst/>
-          </a:prstGeom>
-          <a:solidFill>
-            <a:schemeClr val="bg1"/>
-          </a:solidFill>
-        </p:spPr>
-        <p:txBody>
-          <a:bodyPr wrap="none" rtlCol="0">
-            <a:spAutoFit/>
-          </a:bodyPr>
-          <a:lstStyle/>
-          <a:p>
-            <a:r>
-              <a:rPr lang="en-US" altLang="ko-KR" sz="2400" i="1" dirty="0">
-                <a:latin typeface="Adobe Devanagari" panose="02040503050201020203" pitchFamily="18" charset="0"/>
-                <a:ea typeface="바탕" panose="02030600000101010101" pitchFamily="18" charset="-127"/>
-                <a:cs typeface="Adobe Devanagari" panose="02040503050201020203" pitchFamily="18" charset="0"/>
-              </a:rPr>
-              <a:t>X</a:t>
-            </a:r>
-            <a:endParaRPr lang="ko-KR" altLang="en-US" sz="2400" i="1" dirty="0">
-              <a:latin typeface="Adobe Devanagari" panose="02040503050201020203" pitchFamily="18" charset="0"/>
-              <a:ea typeface="바탕" panose="02030600000101010101" pitchFamily="18" charset="-127"/>
-              <a:cs typeface="Adobe Devanagari" panose="02040503050201020203" pitchFamily="18" charset="0"/>
-            </a:endParaRPr>
-          </a:p>
-        </p:txBody>
-      </p:sp>
+      <mc:AlternateContent xmlns:mc="http://schemas.openxmlformats.org/markup-compatibility/2006">
+        <mc:Choice xmlns:a14="http://schemas.microsoft.com/office/drawing/2010/main" Requires="a14">
+          <p:sp>
+            <p:nvSpPr>
+              <p:cNvPr id="17" name="TextBox 16">
+                <a:extLst>
+                  <a:ext uri="{FF2B5EF4-FFF2-40B4-BE49-F238E27FC236}">
+                    <a16:creationId xmlns:a16="http://schemas.microsoft.com/office/drawing/2014/main" id="{BA002CE3-51B1-4107-9FFA-14EA838BA661}"/>
+                  </a:ext>
+                </a:extLst>
+              </p:cNvPr>
+              <p:cNvSpPr txBox="1"/>
+              <p:nvPr/>
+            </p:nvSpPr>
+            <p:spPr>
+              <a:xfrm>
+                <a:off x="4388228" y="665812"/>
+                <a:ext cx="596702" cy="461665"/>
+              </a:xfrm>
+              <a:prstGeom prst="rect">
+                <a:avLst/>
+              </a:prstGeom>
+              <a:solidFill>
+                <a:schemeClr val="bg1"/>
+              </a:solidFill>
+            </p:spPr>
+            <p:txBody>
+              <a:bodyPr wrap="none" rtlCol="0">
+                <a:spAutoFit/>
+              </a:bodyPr>
+              <a:lstStyle/>
+              <a:p>
+                <a:pPr/>
+                <a14:m>
+                  <m:oMathPara xmlns:m="http://schemas.openxmlformats.org/officeDocument/2006/math">
+                    <m:oMathParaPr>
+                      <m:jc m:val="centerGroup"/>
+                    </m:oMathParaPr>
+                    <m:oMath xmlns:m="http://schemas.openxmlformats.org/officeDocument/2006/math">
+                      <m:sSub>
+                        <m:sSubPr>
+                          <m:ctrlPr>
+                            <a:rPr lang="en-US" altLang="ko-KR" sz="2400" i="1" smtClean="0">
+                              <a:latin typeface="Cambria Math" panose="02040503050406030204" pitchFamily="18" charset="0"/>
+                              <a:ea typeface="바탕" panose="02030600000101010101" pitchFamily="18" charset="-127"/>
+                            </a:rPr>
+                          </m:ctrlPr>
+                        </m:sSubPr>
+                        <m:e>
+                          <m:r>
+                            <a:rPr lang="en-US" altLang="ko-KR" sz="2400" b="0" i="1" smtClean="0">
+                              <a:latin typeface="Cambria Math" panose="02040503050406030204" pitchFamily="18" charset="0"/>
+                              <a:ea typeface="바탕" panose="02030600000101010101" pitchFamily="18" charset="-127"/>
+                            </a:rPr>
+                            <m:t>𝑁</m:t>
+                          </m:r>
+                        </m:e>
+                        <m:sub>
+                          <m:r>
+                            <a:rPr lang="en-US" altLang="ko-KR" sz="2400" b="0" i="1" smtClean="0">
+                              <a:latin typeface="Cambria Math" panose="02040503050406030204" pitchFamily="18" charset="0"/>
+                              <a:ea typeface="바탕" panose="02030600000101010101" pitchFamily="18" charset="-127"/>
+                            </a:rPr>
+                            <m:t>3</m:t>
+                          </m:r>
+                        </m:sub>
+                      </m:sSub>
+                    </m:oMath>
+                  </m:oMathPara>
+                </a14:m>
+                <a:endParaRPr lang="ko-KR" altLang="en-US" sz="2400" i="1" dirty="0">
+                  <a:latin typeface="Adobe Devanagari" panose="02040503050201020203" pitchFamily="18" charset="0"/>
+                  <a:ea typeface="바탕" panose="02030600000101010101" pitchFamily="18" charset="-127"/>
+                  <a:cs typeface="Adobe Devanagari" panose="02040503050201020203" pitchFamily="18" charset="0"/>
+                </a:endParaRPr>
+              </a:p>
+            </p:txBody>
+          </p:sp>
+        </mc:Choice>
+        <mc:Fallback>
+          <p:sp>
+            <p:nvSpPr>
+              <p:cNvPr id="17" name="TextBox 16">
+                <a:extLst>
+                  <a:ext uri="{FF2B5EF4-FFF2-40B4-BE49-F238E27FC236}">
+                    <a16:creationId xmlns:a16="http://schemas.microsoft.com/office/drawing/2014/main" id="{BA002CE3-51B1-4107-9FFA-14EA838BA661}"/>
+                  </a:ext>
+                </a:extLst>
+              </p:cNvPr>
+              <p:cNvSpPr txBox="1">
+                <a:spLocks noRot="1" noChangeAspect="1" noMove="1" noResize="1" noEditPoints="1" noAdjustHandles="1" noChangeArrowheads="1" noChangeShapeType="1" noTextEdit="1"/>
+              </p:cNvSpPr>
+              <p:nvPr/>
+            </p:nvSpPr>
+            <p:spPr>
+              <a:xfrm>
+                <a:off x="4388228" y="665812"/>
+                <a:ext cx="596702" cy="461665"/>
+              </a:xfrm>
+              <a:prstGeom prst="rect">
+                <a:avLst/>
+              </a:prstGeom>
+              <a:blipFill>
+                <a:blip r:embed="rId4"/>
+                <a:stretch>
+                  <a:fillRect b="-1316"/>
+                </a:stretch>
+              </a:blipFill>
+            </p:spPr>
+            <p:txBody>
+              <a:bodyPr/>
+              <a:lstStyle/>
+              <a:p>
+                <a:r>
+                  <a:rPr lang="ko-KR" altLang="en-US">
+                    <a:noFill/>
+                  </a:rPr>
+                  <a:t> </a:t>
+                </a:r>
+              </a:p>
+            </p:txBody>
+          </p:sp>
+        </mc:Fallback>
+      </mc:AlternateContent>
       <p:sp>
         <p:nvSpPr>
           <p:cNvPr id="19" name="사각형: 둥근 모서리 18">
@@ -3959,52 +4192,130 @@
           </a:p>
         </p:txBody>
       </p:sp>
-      <p:sp>
-        <p:nvSpPr>
-          <p:cNvPr id="20" name="TextBox 19">
-            <a:extLst>
-              <a:ext uri="{FF2B5EF4-FFF2-40B4-BE49-F238E27FC236}">
-                <a16:creationId xmlns:a16="http://schemas.microsoft.com/office/drawing/2014/main" id="{A771A018-C1E7-42E0-810B-7316BAAD16A5}"/>
-              </a:ext>
-            </a:extLst>
-          </p:cNvPr>
-          <p:cNvSpPr txBox="1"/>
-          <p:nvPr/>
-        </p:nvSpPr>
-        <p:spPr>
-          <a:xfrm>
-            <a:off x="6168109" y="665812"/>
-            <a:ext cx="360996" cy="461665"/>
-          </a:xfrm>
-          <a:prstGeom prst="rect">
-            <a:avLst/>
-          </a:prstGeom>
-          <a:solidFill>
-            <a:schemeClr val="bg1"/>
-          </a:solidFill>
-        </p:spPr>
-        <p:txBody>
-          <a:bodyPr wrap="none" rtlCol="0">
-            <a:spAutoFit/>
-          </a:bodyPr>
-          <a:lstStyle/>
-          <a:p>
-            <a:r>
-              <a:rPr lang="en-US" altLang="ko-KR" sz="2400" i="1" dirty="0">
-                <a:latin typeface="Adobe Devanagari" panose="02040503050201020203" pitchFamily="18" charset="0"/>
-                <a:ea typeface="바탕" panose="02030600000101010101" pitchFamily="18" charset="-127"/>
-                <a:cs typeface="Adobe Devanagari" panose="02040503050201020203" pitchFamily="18" charset="0"/>
-              </a:rPr>
-              <a:t>Y</a:t>
-            </a:r>
-            <a:endParaRPr lang="ko-KR" altLang="en-US" sz="2400" i="1" dirty="0">
-              <a:latin typeface="Adobe Devanagari" panose="02040503050201020203" pitchFamily="18" charset="0"/>
-              <a:ea typeface="바탕" panose="02030600000101010101" pitchFamily="18" charset="-127"/>
-              <a:cs typeface="Adobe Devanagari" panose="02040503050201020203" pitchFamily="18" charset="0"/>
-            </a:endParaRPr>
-          </a:p>
-        </p:txBody>
-      </p:sp>
+      <mc:AlternateContent xmlns:mc="http://schemas.openxmlformats.org/markup-compatibility/2006">
+        <mc:Choice xmlns:a14="http://schemas.microsoft.com/office/drawing/2010/main" Requires="a14">
+          <p:sp>
+            <p:nvSpPr>
+              <p:cNvPr id="20" name="TextBox 19">
+                <a:extLst>
+                  <a:ext uri="{FF2B5EF4-FFF2-40B4-BE49-F238E27FC236}">
+                    <a16:creationId xmlns:a16="http://schemas.microsoft.com/office/drawing/2014/main" id="{A771A018-C1E7-42E0-810B-7316BAAD16A5}"/>
+                  </a:ext>
+                </a:extLst>
+              </p:cNvPr>
+              <p:cNvSpPr txBox="1"/>
+              <p:nvPr/>
+            </p:nvSpPr>
+            <p:spPr>
+              <a:xfrm>
+                <a:off x="6084985" y="665812"/>
+                <a:ext cx="596702" cy="461665"/>
+              </a:xfrm>
+              <a:prstGeom prst="rect">
+                <a:avLst/>
+              </a:prstGeom>
+              <a:solidFill>
+                <a:schemeClr val="bg1"/>
+              </a:solidFill>
+            </p:spPr>
+            <p:txBody>
+              <a:bodyPr wrap="none" rtlCol="0">
+                <a:spAutoFit/>
+              </a:bodyPr>
+              <a:lstStyle/>
+              <a:p>
+                <a:pPr/>
+                <a14:m>
+                  <m:oMathPara xmlns:m="http://schemas.openxmlformats.org/officeDocument/2006/math">
+                    <m:oMathParaPr>
+                      <m:jc m:val="centerGroup"/>
+                    </m:oMathParaPr>
+                    <m:oMath xmlns:m="http://schemas.openxmlformats.org/officeDocument/2006/math">
+                      <m:sSub>
+                        <m:sSubPr>
+                          <m:ctrlPr>
+                            <a:rPr lang="en-US" altLang="ko-KR" sz="2400" i="1" smtClean="0">
+                              <a:latin typeface="Cambria Math" panose="02040503050406030204" pitchFamily="18" charset="0"/>
+                              <a:ea typeface="바탕" panose="02030600000101010101" pitchFamily="18" charset="-127"/>
+                            </a:rPr>
+                          </m:ctrlPr>
+                        </m:sSubPr>
+                        <m:e>
+                          <m:r>
+                            <a:rPr lang="en-US" altLang="ko-KR" sz="2400" b="0" i="1" smtClean="0">
+                              <a:latin typeface="Cambria Math" panose="02040503050406030204" pitchFamily="18" charset="0"/>
+                              <a:ea typeface="바탕" panose="02030600000101010101" pitchFamily="18" charset="-127"/>
+                            </a:rPr>
+                            <m:t>𝑁</m:t>
+                          </m:r>
+                        </m:e>
+                        <m:sub>
+                          <m:r>
+                            <a:rPr lang="en-US" altLang="ko-KR" sz="2400" b="0" i="1" smtClean="0">
+                              <a:latin typeface="Cambria Math" panose="02040503050406030204" pitchFamily="18" charset="0"/>
+                              <a:ea typeface="바탕" panose="02030600000101010101" pitchFamily="18" charset="-127"/>
+                            </a:rPr>
+                            <m:t>3</m:t>
+                          </m:r>
+                        </m:sub>
+                      </m:sSub>
+                    </m:oMath>
+                  </m:oMathPara>
+                </a14:m>
+                <a:endParaRPr lang="ko-KR" altLang="en-US" sz="2400" i="1" dirty="0">
+                  <a:latin typeface="Adobe Devanagari" panose="02040503050201020203" pitchFamily="18" charset="0"/>
+                  <a:ea typeface="바탕" panose="02030600000101010101" pitchFamily="18" charset="-127"/>
+                  <a:cs typeface="Adobe Devanagari" panose="02040503050201020203" pitchFamily="18" charset="0"/>
+                </a:endParaRPr>
+              </a:p>
+            </p:txBody>
+          </p:sp>
+        </mc:Choice>
+        <mc:Fallback>
+          <p:sp>
+            <p:nvSpPr>
+              <p:cNvPr id="20" name="TextBox 19">
+                <a:extLst>
+                  <a:ext uri="{FF2B5EF4-FFF2-40B4-BE49-F238E27FC236}">
+                    <a16:creationId xmlns:a16="http://schemas.microsoft.com/office/drawing/2014/main" id="{A771A018-C1E7-42E0-810B-7316BAAD16A5}"/>
+                  </a:ext>
+                </a:extLst>
+              </p:cNvPr>
+              <p:cNvSpPr txBox="1">
+                <a:spLocks noRot="1" noChangeAspect="1" noMove="1" noResize="1" noEditPoints="1" noAdjustHandles="1" noChangeArrowheads="1" noChangeShapeType="1" noTextEdit="1"/>
+              </p:cNvSpPr>
+              <p:nvPr/>
+            </p:nvSpPr>
+            <p:spPr>
+              <a:xfrm>
+                <a:off x="6084985" y="665812"/>
+                <a:ext cx="596702" cy="461665"/>
+              </a:xfrm>
+              <a:prstGeom prst="rect">
+                <a:avLst/>
+              </a:prstGeom>
+              <a:blipFill>
+                <a:blip r:embed="rId5"/>
+                <a:stretch>
+                  <a:fillRect b="-1316"/>
+                </a:stretch>
+              </a:blipFill>
+            </p:spPr>
+            <p:txBody>
+              <a:bodyPr/>
+              <a:lstStyle/>
+              <a:p>
+                <a:r>
+                  <a:rPr lang="ko-KR" altLang="en-US">
+                    <a:noFill/>
+                  </a:rPr>
+                  <a:t> </a:t>
+                </a:r>
+              </a:p>
+            </p:txBody>
+          </p:sp>
+        </mc:Fallback>
+      </mc:AlternateContent>
       <p:sp>
         <p:nvSpPr>
           <p:cNvPr id="23" name="사각형: 둥근 모서리 22">
@@ -4117,52 +4428,130 @@
           </a:p>
         </p:txBody>
       </p:sp>
-      <p:sp>
-        <p:nvSpPr>
-          <p:cNvPr id="24" name="TextBox 23">
-            <a:extLst>
-              <a:ext uri="{FF2B5EF4-FFF2-40B4-BE49-F238E27FC236}">
-                <a16:creationId xmlns:a16="http://schemas.microsoft.com/office/drawing/2014/main" id="{AD7AF5B2-4F7D-4E7F-B0E2-AA408EA24154}"/>
-              </a:ext>
-            </a:extLst>
-          </p:cNvPr>
-          <p:cNvSpPr txBox="1"/>
-          <p:nvPr/>
-        </p:nvSpPr>
-        <p:spPr>
-          <a:xfrm>
-            <a:off x="8526135" y="665812"/>
-            <a:ext cx="369012" cy="461665"/>
-          </a:xfrm>
-          <a:prstGeom prst="rect">
-            <a:avLst/>
-          </a:prstGeom>
-          <a:solidFill>
-            <a:schemeClr val="bg1"/>
-          </a:solidFill>
-        </p:spPr>
-        <p:txBody>
-          <a:bodyPr wrap="none" rtlCol="0">
-            <a:spAutoFit/>
-          </a:bodyPr>
-          <a:lstStyle/>
-          <a:p>
-            <a:r>
-              <a:rPr lang="en-US" altLang="ko-KR" sz="2400" i="1" dirty="0">
-                <a:latin typeface="Adobe Devanagari" panose="02040503050201020203" pitchFamily="18" charset="0"/>
-                <a:ea typeface="바탕" panose="02030600000101010101" pitchFamily="18" charset="-127"/>
-                <a:cs typeface="Adobe Devanagari" panose="02040503050201020203" pitchFamily="18" charset="0"/>
-              </a:rPr>
-              <a:t>X</a:t>
-            </a:r>
-            <a:endParaRPr lang="ko-KR" altLang="en-US" sz="2400" i="1" dirty="0">
-              <a:latin typeface="Adobe Devanagari" panose="02040503050201020203" pitchFamily="18" charset="0"/>
-              <a:ea typeface="바탕" panose="02030600000101010101" pitchFamily="18" charset="-127"/>
-              <a:cs typeface="Adobe Devanagari" panose="02040503050201020203" pitchFamily="18" charset="0"/>
-            </a:endParaRPr>
-          </a:p>
-        </p:txBody>
-      </p:sp>
+      <mc:AlternateContent xmlns:mc="http://schemas.openxmlformats.org/markup-compatibility/2006">
+        <mc:Choice xmlns:a14="http://schemas.microsoft.com/office/drawing/2010/main" Requires="a14">
+          <p:sp>
+            <p:nvSpPr>
+              <p:cNvPr id="24" name="TextBox 23">
+                <a:extLst>
+                  <a:ext uri="{FF2B5EF4-FFF2-40B4-BE49-F238E27FC236}">
+                    <a16:creationId xmlns:a16="http://schemas.microsoft.com/office/drawing/2014/main" id="{AD7AF5B2-4F7D-4E7F-B0E2-AA408EA24154}"/>
+                  </a:ext>
+                </a:extLst>
+              </p:cNvPr>
+              <p:cNvSpPr txBox="1"/>
+              <p:nvPr/>
+            </p:nvSpPr>
+            <p:spPr>
+              <a:xfrm>
+                <a:off x="8443011" y="665812"/>
+                <a:ext cx="596702" cy="461665"/>
+              </a:xfrm>
+              <a:prstGeom prst="rect">
+                <a:avLst/>
+              </a:prstGeom>
+              <a:solidFill>
+                <a:schemeClr val="bg1"/>
+              </a:solidFill>
+            </p:spPr>
+            <p:txBody>
+              <a:bodyPr wrap="none" rtlCol="0">
+                <a:spAutoFit/>
+              </a:bodyPr>
+              <a:lstStyle/>
+              <a:p>
+                <a:pPr/>
+                <a14:m>
+                  <m:oMathPara xmlns:m="http://schemas.openxmlformats.org/officeDocument/2006/math">
+                    <m:oMathParaPr>
+                      <m:jc m:val="centerGroup"/>
+                    </m:oMathParaPr>
+                    <m:oMath xmlns:m="http://schemas.openxmlformats.org/officeDocument/2006/math">
+                      <m:sSub>
+                        <m:sSubPr>
+                          <m:ctrlPr>
+                            <a:rPr lang="en-US" altLang="ko-KR" sz="2400" i="1" smtClean="0">
+                              <a:latin typeface="Cambria Math" panose="02040503050406030204" pitchFamily="18" charset="0"/>
+                              <a:ea typeface="바탕" panose="02030600000101010101" pitchFamily="18" charset="-127"/>
+                            </a:rPr>
+                          </m:ctrlPr>
+                        </m:sSubPr>
+                        <m:e>
+                          <m:r>
+                            <a:rPr lang="en-US" altLang="ko-KR" sz="2400" b="0" i="1" smtClean="0">
+                              <a:latin typeface="Cambria Math" panose="02040503050406030204" pitchFamily="18" charset="0"/>
+                              <a:ea typeface="바탕" panose="02030600000101010101" pitchFamily="18" charset="-127"/>
+                            </a:rPr>
+                            <m:t>𝑁</m:t>
+                          </m:r>
+                        </m:e>
+                        <m:sub>
+                          <m:r>
+                            <a:rPr lang="en-US" altLang="ko-KR" sz="2400" b="0" i="1" smtClean="0">
+                              <a:latin typeface="Cambria Math" panose="02040503050406030204" pitchFamily="18" charset="0"/>
+                              <a:ea typeface="바탕" panose="02030600000101010101" pitchFamily="18" charset="-127"/>
+                            </a:rPr>
+                            <m:t>3</m:t>
+                          </m:r>
+                        </m:sub>
+                      </m:sSub>
+                    </m:oMath>
+                  </m:oMathPara>
+                </a14:m>
+                <a:endParaRPr lang="ko-KR" altLang="en-US" sz="2400" i="1" dirty="0">
+                  <a:latin typeface="Adobe Devanagari" panose="02040503050201020203" pitchFamily="18" charset="0"/>
+                  <a:ea typeface="바탕" panose="02030600000101010101" pitchFamily="18" charset="-127"/>
+                  <a:cs typeface="Adobe Devanagari" panose="02040503050201020203" pitchFamily="18" charset="0"/>
+                </a:endParaRPr>
+              </a:p>
+            </p:txBody>
+          </p:sp>
+        </mc:Choice>
+        <mc:Fallback>
+          <p:sp>
+            <p:nvSpPr>
+              <p:cNvPr id="24" name="TextBox 23">
+                <a:extLst>
+                  <a:ext uri="{FF2B5EF4-FFF2-40B4-BE49-F238E27FC236}">
+                    <a16:creationId xmlns:a16="http://schemas.microsoft.com/office/drawing/2014/main" id="{AD7AF5B2-4F7D-4E7F-B0E2-AA408EA24154}"/>
+                  </a:ext>
+                </a:extLst>
+              </p:cNvPr>
+              <p:cNvSpPr txBox="1">
+                <a:spLocks noRot="1" noChangeAspect="1" noMove="1" noResize="1" noEditPoints="1" noAdjustHandles="1" noChangeArrowheads="1" noChangeShapeType="1" noTextEdit="1"/>
+              </p:cNvSpPr>
+              <p:nvPr/>
+            </p:nvSpPr>
+            <p:spPr>
+              <a:xfrm>
+                <a:off x="8443011" y="665812"/>
+                <a:ext cx="596702" cy="461665"/>
+              </a:xfrm>
+              <a:prstGeom prst="rect">
+                <a:avLst/>
+              </a:prstGeom>
+              <a:blipFill>
+                <a:blip r:embed="rId6"/>
+                <a:stretch>
+                  <a:fillRect b="-1316"/>
+                </a:stretch>
+              </a:blipFill>
+            </p:spPr>
+            <p:txBody>
+              <a:bodyPr/>
+              <a:lstStyle/>
+              <a:p>
+                <a:r>
+                  <a:rPr lang="ko-KR" altLang="en-US">
+                    <a:noFill/>
+                  </a:rPr>
+                  <a:t> </a:t>
+                </a:r>
+              </a:p>
+            </p:txBody>
+          </p:sp>
+        </mc:Fallback>
+      </mc:AlternateContent>
       <p:sp>
         <p:nvSpPr>
           <p:cNvPr id="26" name="사각형: 둥근 모서리 25">
@@ -4270,52 +4659,130 @@
           </a:p>
         </p:txBody>
       </p:sp>
-      <p:sp>
-        <p:nvSpPr>
-          <p:cNvPr id="27" name="TextBox 26">
-            <a:extLst>
-              <a:ext uri="{FF2B5EF4-FFF2-40B4-BE49-F238E27FC236}">
-                <a16:creationId xmlns:a16="http://schemas.microsoft.com/office/drawing/2014/main" id="{3DB22333-F43B-4A5D-8452-98354326DA3D}"/>
-              </a:ext>
-            </a:extLst>
-          </p:cNvPr>
-          <p:cNvSpPr txBox="1"/>
-          <p:nvPr/>
-        </p:nvSpPr>
-        <p:spPr>
-          <a:xfrm>
-            <a:off x="10232128" y="665812"/>
-            <a:ext cx="360996" cy="461665"/>
-          </a:xfrm>
-          <a:prstGeom prst="rect">
-            <a:avLst/>
-          </a:prstGeom>
-          <a:solidFill>
-            <a:schemeClr val="bg1"/>
-          </a:solidFill>
-        </p:spPr>
-        <p:txBody>
-          <a:bodyPr wrap="none" rtlCol="0">
-            <a:spAutoFit/>
-          </a:bodyPr>
-          <a:lstStyle/>
-          <a:p>
-            <a:r>
-              <a:rPr lang="en-US" altLang="ko-KR" sz="2400" i="1" dirty="0">
-                <a:latin typeface="Adobe Devanagari" panose="02040503050201020203" pitchFamily="18" charset="0"/>
-                <a:ea typeface="바탕" panose="02030600000101010101" pitchFamily="18" charset="-127"/>
-                <a:cs typeface="Adobe Devanagari" panose="02040503050201020203" pitchFamily="18" charset="0"/>
-              </a:rPr>
-              <a:t>Y</a:t>
-            </a:r>
-            <a:endParaRPr lang="ko-KR" altLang="en-US" sz="2400" i="1" dirty="0">
-              <a:latin typeface="Adobe Devanagari" panose="02040503050201020203" pitchFamily="18" charset="0"/>
-              <a:ea typeface="바탕" panose="02030600000101010101" pitchFamily="18" charset="-127"/>
-              <a:cs typeface="Adobe Devanagari" panose="02040503050201020203" pitchFamily="18" charset="0"/>
-            </a:endParaRPr>
-          </a:p>
-        </p:txBody>
-      </p:sp>
+      <mc:AlternateContent xmlns:mc="http://schemas.openxmlformats.org/markup-compatibility/2006">
+        <mc:Choice xmlns:a14="http://schemas.microsoft.com/office/drawing/2010/main" Requires="a14">
+          <p:sp>
+            <p:nvSpPr>
+              <p:cNvPr id="27" name="TextBox 26">
+                <a:extLst>
+                  <a:ext uri="{FF2B5EF4-FFF2-40B4-BE49-F238E27FC236}">
+                    <a16:creationId xmlns:a16="http://schemas.microsoft.com/office/drawing/2014/main" id="{3DB22333-F43B-4A5D-8452-98354326DA3D}"/>
+                  </a:ext>
+                </a:extLst>
+              </p:cNvPr>
+              <p:cNvSpPr txBox="1"/>
+              <p:nvPr/>
+            </p:nvSpPr>
+            <p:spPr>
+              <a:xfrm>
+                <a:off x="10158240" y="665812"/>
+                <a:ext cx="596702" cy="461665"/>
+              </a:xfrm>
+              <a:prstGeom prst="rect">
+                <a:avLst/>
+              </a:prstGeom>
+              <a:solidFill>
+                <a:schemeClr val="bg1"/>
+              </a:solidFill>
+            </p:spPr>
+            <p:txBody>
+              <a:bodyPr wrap="none" rtlCol="0">
+                <a:spAutoFit/>
+              </a:bodyPr>
+              <a:lstStyle/>
+              <a:p>
+                <a:pPr/>
+                <a14:m>
+                  <m:oMathPara xmlns:m="http://schemas.openxmlformats.org/officeDocument/2006/math">
+                    <m:oMathParaPr>
+                      <m:jc m:val="centerGroup"/>
+                    </m:oMathParaPr>
+                    <m:oMath xmlns:m="http://schemas.openxmlformats.org/officeDocument/2006/math">
+                      <m:sSub>
+                        <m:sSubPr>
+                          <m:ctrlPr>
+                            <a:rPr lang="en-US" altLang="ko-KR" sz="2400" i="1" smtClean="0">
+                              <a:latin typeface="Cambria Math" panose="02040503050406030204" pitchFamily="18" charset="0"/>
+                              <a:ea typeface="바탕" panose="02030600000101010101" pitchFamily="18" charset="-127"/>
+                            </a:rPr>
+                          </m:ctrlPr>
+                        </m:sSubPr>
+                        <m:e>
+                          <m:r>
+                            <a:rPr lang="en-US" altLang="ko-KR" sz="2400" b="0" i="1" smtClean="0">
+                              <a:latin typeface="Cambria Math" panose="02040503050406030204" pitchFamily="18" charset="0"/>
+                              <a:ea typeface="바탕" panose="02030600000101010101" pitchFamily="18" charset="-127"/>
+                            </a:rPr>
+                            <m:t>𝑁</m:t>
+                          </m:r>
+                        </m:e>
+                        <m:sub>
+                          <m:r>
+                            <a:rPr lang="en-US" altLang="ko-KR" sz="2400" b="0" i="1" smtClean="0">
+                              <a:latin typeface="Cambria Math" panose="02040503050406030204" pitchFamily="18" charset="0"/>
+                              <a:ea typeface="바탕" panose="02030600000101010101" pitchFamily="18" charset="-127"/>
+                            </a:rPr>
+                            <m:t>3</m:t>
+                          </m:r>
+                        </m:sub>
+                      </m:sSub>
+                    </m:oMath>
+                  </m:oMathPara>
+                </a14:m>
+                <a:endParaRPr lang="ko-KR" altLang="en-US" sz="2400" i="1" dirty="0">
+                  <a:latin typeface="Adobe Devanagari" panose="02040503050201020203" pitchFamily="18" charset="0"/>
+                  <a:ea typeface="바탕" panose="02030600000101010101" pitchFamily="18" charset="-127"/>
+                  <a:cs typeface="Adobe Devanagari" panose="02040503050201020203" pitchFamily="18" charset="0"/>
+                </a:endParaRPr>
+              </a:p>
+            </p:txBody>
+          </p:sp>
+        </mc:Choice>
+        <mc:Fallback>
+          <p:sp>
+            <p:nvSpPr>
+              <p:cNvPr id="27" name="TextBox 26">
+                <a:extLst>
+                  <a:ext uri="{FF2B5EF4-FFF2-40B4-BE49-F238E27FC236}">
+                    <a16:creationId xmlns:a16="http://schemas.microsoft.com/office/drawing/2014/main" id="{3DB22333-F43B-4A5D-8452-98354326DA3D}"/>
+                  </a:ext>
+                </a:extLst>
+              </p:cNvPr>
+              <p:cNvSpPr txBox="1">
+                <a:spLocks noRot="1" noChangeAspect="1" noMove="1" noResize="1" noEditPoints="1" noAdjustHandles="1" noChangeArrowheads="1" noChangeShapeType="1" noTextEdit="1"/>
+              </p:cNvSpPr>
+              <p:nvPr/>
+            </p:nvSpPr>
+            <p:spPr>
+              <a:xfrm>
+                <a:off x="10158240" y="665812"/>
+                <a:ext cx="596702" cy="461665"/>
+              </a:xfrm>
+              <a:prstGeom prst="rect">
+                <a:avLst/>
+              </a:prstGeom>
+              <a:blipFill>
+                <a:blip r:embed="rId7"/>
+                <a:stretch>
+                  <a:fillRect b="-1316"/>
+                </a:stretch>
+              </a:blipFill>
+            </p:spPr>
+            <p:txBody>
+              <a:bodyPr/>
+              <a:lstStyle/>
+              <a:p>
+                <a:r>
+                  <a:rPr lang="ko-KR" altLang="en-US">
+                    <a:noFill/>
+                  </a:rPr>
+                  <a:t> </a:t>
+                </a:r>
+              </a:p>
+            </p:txBody>
+          </p:sp>
+        </mc:Fallback>
+      </mc:AlternateContent>
       <p:cxnSp>
         <p:nvCxnSpPr>
           <p:cNvPr id="6" name="직선 화살표 연결선 9">
@@ -4516,52 +4983,130 @@
           </a:p>
         </p:txBody>
       </p:sp>
-      <p:sp>
-        <p:nvSpPr>
-          <p:cNvPr id="13" name="TextBox 12">
-            <a:extLst>
-              <a:ext uri="{FF2B5EF4-FFF2-40B4-BE49-F238E27FC236}">
-                <a16:creationId xmlns:a16="http://schemas.microsoft.com/office/drawing/2014/main" id="{49951019-62F6-D409-62EE-C5CA072DA4A6}"/>
-              </a:ext>
-            </a:extLst>
-          </p:cNvPr>
-          <p:cNvSpPr txBox="1"/>
-          <p:nvPr/>
-        </p:nvSpPr>
-        <p:spPr>
-          <a:xfrm>
-            <a:off x="619657" y="3511120"/>
-            <a:ext cx="369012" cy="461665"/>
-          </a:xfrm>
-          <a:prstGeom prst="rect">
-            <a:avLst/>
-          </a:prstGeom>
-          <a:solidFill>
-            <a:schemeClr val="bg1"/>
-          </a:solidFill>
-        </p:spPr>
-        <p:txBody>
-          <a:bodyPr wrap="none" rtlCol="0">
-            <a:spAutoFit/>
-          </a:bodyPr>
-          <a:lstStyle/>
-          <a:p>
-            <a:r>
-              <a:rPr lang="en-US" altLang="ko-KR" sz="2400" i="1" dirty="0">
-                <a:latin typeface="Adobe Devanagari" panose="02040503050201020203" pitchFamily="18" charset="0"/>
-                <a:ea typeface="바탕" panose="02030600000101010101" pitchFamily="18" charset="-127"/>
-                <a:cs typeface="Adobe Devanagari" panose="02040503050201020203" pitchFamily="18" charset="0"/>
-              </a:rPr>
-              <a:t>X</a:t>
-            </a:r>
-            <a:endParaRPr lang="ko-KR" altLang="en-US" sz="2400" i="1" dirty="0">
-              <a:latin typeface="Adobe Devanagari" panose="02040503050201020203" pitchFamily="18" charset="0"/>
-              <a:ea typeface="바탕" panose="02030600000101010101" pitchFamily="18" charset="-127"/>
-              <a:cs typeface="Adobe Devanagari" panose="02040503050201020203" pitchFamily="18" charset="0"/>
-            </a:endParaRPr>
-          </a:p>
-        </p:txBody>
-      </p:sp>
+      <mc:AlternateContent xmlns:mc="http://schemas.openxmlformats.org/markup-compatibility/2006">
+        <mc:Choice xmlns:a14="http://schemas.microsoft.com/office/drawing/2010/main" Requires="a14">
+          <p:sp>
+            <p:nvSpPr>
+              <p:cNvPr id="13" name="TextBox 12">
+                <a:extLst>
+                  <a:ext uri="{FF2B5EF4-FFF2-40B4-BE49-F238E27FC236}">
+                    <a16:creationId xmlns:a16="http://schemas.microsoft.com/office/drawing/2014/main" id="{49951019-62F6-D409-62EE-C5CA072DA4A6}"/>
+                  </a:ext>
+                </a:extLst>
+              </p:cNvPr>
+              <p:cNvSpPr txBox="1"/>
+              <p:nvPr/>
+            </p:nvSpPr>
+            <p:spPr>
+              <a:xfrm>
+                <a:off x="555005" y="3511120"/>
+                <a:ext cx="596702" cy="461665"/>
+              </a:xfrm>
+              <a:prstGeom prst="rect">
+                <a:avLst/>
+              </a:prstGeom>
+              <a:solidFill>
+                <a:schemeClr val="bg1"/>
+              </a:solidFill>
+            </p:spPr>
+            <p:txBody>
+              <a:bodyPr wrap="none" rtlCol="0">
+                <a:spAutoFit/>
+              </a:bodyPr>
+              <a:lstStyle/>
+              <a:p>
+                <a:pPr/>
+                <a14:m>
+                  <m:oMathPara xmlns:m="http://schemas.openxmlformats.org/officeDocument/2006/math">
+                    <m:oMathParaPr>
+                      <m:jc m:val="centerGroup"/>
+                    </m:oMathParaPr>
+                    <m:oMath xmlns:m="http://schemas.openxmlformats.org/officeDocument/2006/math">
+                      <m:sSub>
+                        <m:sSubPr>
+                          <m:ctrlPr>
+                            <a:rPr lang="en-US" altLang="ko-KR" sz="2400" i="1" smtClean="0">
+                              <a:latin typeface="Cambria Math" panose="02040503050406030204" pitchFamily="18" charset="0"/>
+                              <a:ea typeface="바탕" panose="02030600000101010101" pitchFamily="18" charset="-127"/>
+                            </a:rPr>
+                          </m:ctrlPr>
+                        </m:sSubPr>
+                        <m:e>
+                          <m:r>
+                            <a:rPr lang="en-US" altLang="ko-KR" sz="2400" b="0" i="1" smtClean="0">
+                              <a:latin typeface="Cambria Math" panose="02040503050406030204" pitchFamily="18" charset="0"/>
+                              <a:ea typeface="바탕" panose="02030600000101010101" pitchFamily="18" charset="-127"/>
+                            </a:rPr>
+                            <m:t>𝑁</m:t>
+                          </m:r>
+                        </m:e>
+                        <m:sub>
+                          <m:r>
+                            <a:rPr lang="en-US" altLang="ko-KR" sz="2400" b="0" i="1" smtClean="0">
+                              <a:latin typeface="Cambria Math" panose="02040503050406030204" pitchFamily="18" charset="0"/>
+                              <a:ea typeface="바탕" panose="02030600000101010101" pitchFamily="18" charset="-127"/>
+                            </a:rPr>
+                            <m:t>3</m:t>
+                          </m:r>
+                        </m:sub>
+                      </m:sSub>
+                    </m:oMath>
+                  </m:oMathPara>
+                </a14:m>
+                <a:endParaRPr lang="ko-KR" altLang="en-US" sz="2400" i="1" dirty="0">
+                  <a:latin typeface="Adobe Devanagari" panose="02040503050201020203" pitchFamily="18" charset="0"/>
+                  <a:ea typeface="바탕" panose="02030600000101010101" pitchFamily="18" charset="-127"/>
+                  <a:cs typeface="Adobe Devanagari" panose="02040503050201020203" pitchFamily="18" charset="0"/>
+                </a:endParaRPr>
+              </a:p>
+            </p:txBody>
+          </p:sp>
+        </mc:Choice>
+        <mc:Fallback>
+          <p:sp>
+            <p:nvSpPr>
+              <p:cNvPr id="13" name="TextBox 12">
+                <a:extLst>
+                  <a:ext uri="{FF2B5EF4-FFF2-40B4-BE49-F238E27FC236}">
+                    <a16:creationId xmlns:a16="http://schemas.microsoft.com/office/drawing/2014/main" id="{49951019-62F6-D409-62EE-C5CA072DA4A6}"/>
+                  </a:ext>
+                </a:extLst>
+              </p:cNvPr>
+              <p:cNvSpPr txBox="1">
+                <a:spLocks noRot="1" noChangeAspect="1" noMove="1" noResize="1" noEditPoints="1" noAdjustHandles="1" noChangeArrowheads="1" noChangeShapeType="1" noTextEdit="1"/>
+              </p:cNvSpPr>
+              <p:nvPr/>
+            </p:nvSpPr>
+            <p:spPr>
+              <a:xfrm>
+                <a:off x="555005" y="3511120"/>
+                <a:ext cx="596702" cy="461665"/>
+              </a:xfrm>
+              <a:prstGeom prst="rect">
+                <a:avLst/>
+              </a:prstGeom>
+              <a:blipFill>
+                <a:blip r:embed="rId8"/>
+                <a:stretch>
+                  <a:fillRect/>
+                </a:stretch>
+              </a:blipFill>
+            </p:spPr>
+            <p:txBody>
+              <a:bodyPr/>
+              <a:lstStyle/>
+              <a:p>
+                <a:r>
+                  <a:rPr lang="ko-KR" altLang="en-US">
+                    <a:noFill/>
+                  </a:rPr>
+                  <a:t> </a:t>
+                </a:r>
+              </a:p>
+            </p:txBody>
+          </p:sp>
+        </mc:Fallback>
+      </mc:AlternateContent>
       <p:sp>
         <p:nvSpPr>
           <p:cNvPr id="30" name="사각형: 둥근 모서리 7">
@@ -4669,52 +5214,130 @@
           </a:p>
         </p:txBody>
       </p:sp>
-      <p:sp>
-        <p:nvSpPr>
-          <p:cNvPr id="31" name="TextBox 30">
-            <a:extLst>
-              <a:ext uri="{FF2B5EF4-FFF2-40B4-BE49-F238E27FC236}">
-                <a16:creationId xmlns:a16="http://schemas.microsoft.com/office/drawing/2014/main" id="{BDF8FAE5-A6E4-642D-3987-A6E2BF2E01A9}"/>
-              </a:ext>
-            </a:extLst>
-          </p:cNvPr>
-          <p:cNvSpPr txBox="1"/>
-          <p:nvPr/>
-        </p:nvSpPr>
-        <p:spPr>
-          <a:xfrm>
-            <a:off x="2325650" y="3511120"/>
-            <a:ext cx="360996" cy="461665"/>
-          </a:xfrm>
-          <a:prstGeom prst="rect">
-            <a:avLst/>
-          </a:prstGeom>
-          <a:solidFill>
-            <a:schemeClr val="bg1"/>
-          </a:solidFill>
-        </p:spPr>
-        <p:txBody>
-          <a:bodyPr wrap="none" rtlCol="0">
-            <a:spAutoFit/>
-          </a:bodyPr>
-          <a:lstStyle/>
-          <a:p>
-            <a:r>
-              <a:rPr lang="en-US" altLang="ko-KR" sz="2400" i="1" dirty="0">
-                <a:latin typeface="Adobe Devanagari" panose="02040503050201020203" pitchFamily="18" charset="0"/>
-                <a:ea typeface="바탕" panose="02030600000101010101" pitchFamily="18" charset="-127"/>
-                <a:cs typeface="Adobe Devanagari" panose="02040503050201020203" pitchFamily="18" charset="0"/>
-              </a:rPr>
-              <a:t>Y</a:t>
-            </a:r>
-            <a:endParaRPr lang="ko-KR" altLang="en-US" sz="2400" i="1" dirty="0">
-              <a:latin typeface="Adobe Devanagari" panose="02040503050201020203" pitchFamily="18" charset="0"/>
-              <a:ea typeface="바탕" panose="02030600000101010101" pitchFamily="18" charset="-127"/>
-              <a:cs typeface="Adobe Devanagari" panose="02040503050201020203" pitchFamily="18" charset="0"/>
-            </a:endParaRPr>
-          </a:p>
-        </p:txBody>
-      </p:sp>
+      <mc:AlternateContent xmlns:mc="http://schemas.openxmlformats.org/markup-compatibility/2006">
+        <mc:Choice xmlns:a14="http://schemas.microsoft.com/office/drawing/2010/main" Requires="a14">
+          <p:sp>
+            <p:nvSpPr>
+              <p:cNvPr id="31" name="TextBox 30">
+                <a:extLst>
+                  <a:ext uri="{FF2B5EF4-FFF2-40B4-BE49-F238E27FC236}">
+                    <a16:creationId xmlns:a16="http://schemas.microsoft.com/office/drawing/2014/main" id="{BDF8FAE5-A6E4-642D-3987-A6E2BF2E01A9}"/>
+                  </a:ext>
+                </a:extLst>
+              </p:cNvPr>
+              <p:cNvSpPr txBox="1"/>
+              <p:nvPr/>
+            </p:nvSpPr>
+            <p:spPr>
+              <a:xfrm>
+                <a:off x="2251762" y="3511120"/>
+                <a:ext cx="596702" cy="461665"/>
+              </a:xfrm>
+              <a:prstGeom prst="rect">
+                <a:avLst/>
+              </a:prstGeom>
+              <a:solidFill>
+                <a:schemeClr val="bg1"/>
+              </a:solidFill>
+            </p:spPr>
+            <p:txBody>
+              <a:bodyPr wrap="none" rtlCol="0">
+                <a:spAutoFit/>
+              </a:bodyPr>
+              <a:lstStyle/>
+              <a:p>
+                <a:pPr/>
+                <a14:m>
+                  <m:oMathPara xmlns:m="http://schemas.openxmlformats.org/officeDocument/2006/math">
+                    <m:oMathParaPr>
+                      <m:jc m:val="centerGroup"/>
+                    </m:oMathParaPr>
+                    <m:oMath xmlns:m="http://schemas.openxmlformats.org/officeDocument/2006/math">
+                      <m:sSub>
+                        <m:sSubPr>
+                          <m:ctrlPr>
+                            <a:rPr lang="en-US" altLang="ko-KR" sz="2400" i="1" smtClean="0">
+                              <a:latin typeface="Cambria Math" panose="02040503050406030204" pitchFamily="18" charset="0"/>
+                              <a:ea typeface="바탕" panose="02030600000101010101" pitchFamily="18" charset="-127"/>
+                            </a:rPr>
+                          </m:ctrlPr>
+                        </m:sSubPr>
+                        <m:e>
+                          <m:r>
+                            <a:rPr lang="en-US" altLang="ko-KR" sz="2400" b="0" i="1" smtClean="0">
+                              <a:latin typeface="Cambria Math" panose="02040503050406030204" pitchFamily="18" charset="0"/>
+                              <a:ea typeface="바탕" panose="02030600000101010101" pitchFamily="18" charset="-127"/>
+                            </a:rPr>
+                            <m:t>𝑁</m:t>
+                          </m:r>
+                        </m:e>
+                        <m:sub>
+                          <m:r>
+                            <a:rPr lang="en-US" altLang="ko-KR" sz="2400" b="0" i="1" smtClean="0">
+                              <a:latin typeface="Cambria Math" panose="02040503050406030204" pitchFamily="18" charset="0"/>
+                              <a:ea typeface="바탕" panose="02030600000101010101" pitchFamily="18" charset="-127"/>
+                            </a:rPr>
+                            <m:t>3</m:t>
+                          </m:r>
+                        </m:sub>
+                      </m:sSub>
+                    </m:oMath>
+                  </m:oMathPara>
+                </a14:m>
+                <a:endParaRPr lang="ko-KR" altLang="en-US" sz="2400" i="1" dirty="0">
+                  <a:latin typeface="Adobe Devanagari" panose="02040503050201020203" pitchFamily="18" charset="0"/>
+                  <a:ea typeface="바탕" panose="02030600000101010101" pitchFamily="18" charset="-127"/>
+                  <a:cs typeface="Adobe Devanagari" panose="02040503050201020203" pitchFamily="18" charset="0"/>
+                </a:endParaRPr>
+              </a:p>
+            </p:txBody>
+          </p:sp>
+        </mc:Choice>
+        <mc:Fallback>
+          <p:sp>
+            <p:nvSpPr>
+              <p:cNvPr id="31" name="TextBox 30">
+                <a:extLst>
+                  <a:ext uri="{FF2B5EF4-FFF2-40B4-BE49-F238E27FC236}">
+                    <a16:creationId xmlns:a16="http://schemas.microsoft.com/office/drawing/2014/main" id="{BDF8FAE5-A6E4-642D-3987-A6E2BF2E01A9}"/>
+                  </a:ext>
+                </a:extLst>
+              </p:cNvPr>
+              <p:cNvSpPr txBox="1">
+                <a:spLocks noRot="1" noChangeAspect="1" noMove="1" noResize="1" noEditPoints="1" noAdjustHandles="1" noChangeArrowheads="1" noChangeShapeType="1" noTextEdit="1"/>
+              </p:cNvSpPr>
+              <p:nvPr/>
+            </p:nvSpPr>
+            <p:spPr>
+              <a:xfrm>
+                <a:off x="2251762" y="3511120"/>
+                <a:ext cx="596702" cy="461665"/>
+              </a:xfrm>
+              <a:prstGeom prst="rect">
+                <a:avLst/>
+              </a:prstGeom>
+              <a:blipFill>
+                <a:blip r:embed="rId9"/>
+                <a:stretch>
+                  <a:fillRect/>
+                </a:stretch>
+              </a:blipFill>
+            </p:spPr>
+            <p:txBody>
+              <a:bodyPr/>
+              <a:lstStyle/>
+              <a:p>
+                <a:r>
+                  <a:rPr lang="ko-KR" altLang="en-US">
+                    <a:noFill/>
+                  </a:rPr>
+                  <a:t> </a:t>
+                </a:r>
+              </a:p>
+            </p:txBody>
+          </p:sp>
+        </mc:Fallback>
+      </mc:AlternateContent>
       <p:sp>
         <p:nvSpPr>
           <p:cNvPr id="33" name="사각형: 둥근 모서리 15">
@@ -4827,52 +5450,130 @@
           </a:p>
         </p:txBody>
       </p:sp>
-      <p:sp>
-        <p:nvSpPr>
-          <p:cNvPr id="34" name="TextBox 33">
-            <a:extLst>
-              <a:ext uri="{FF2B5EF4-FFF2-40B4-BE49-F238E27FC236}">
-                <a16:creationId xmlns:a16="http://schemas.microsoft.com/office/drawing/2014/main" id="{5A55BDC0-F5E0-1310-9631-7B501E89F425}"/>
-              </a:ext>
-            </a:extLst>
-          </p:cNvPr>
-          <p:cNvSpPr txBox="1"/>
-          <p:nvPr/>
-        </p:nvSpPr>
-        <p:spPr>
-          <a:xfrm>
-            <a:off x="4462116" y="3511120"/>
-            <a:ext cx="369012" cy="461665"/>
-          </a:xfrm>
-          <a:prstGeom prst="rect">
-            <a:avLst/>
-          </a:prstGeom>
-          <a:solidFill>
-            <a:schemeClr val="bg1"/>
-          </a:solidFill>
-        </p:spPr>
-        <p:txBody>
-          <a:bodyPr wrap="none" rtlCol="0">
-            <a:spAutoFit/>
-          </a:bodyPr>
-          <a:lstStyle/>
-          <a:p>
-            <a:r>
-              <a:rPr lang="en-US" altLang="ko-KR" sz="2400" i="1" dirty="0">
-                <a:latin typeface="Adobe Devanagari" panose="02040503050201020203" pitchFamily="18" charset="0"/>
-                <a:ea typeface="바탕" panose="02030600000101010101" pitchFamily="18" charset="-127"/>
-                <a:cs typeface="Adobe Devanagari" panose="02040503050201020203" pitchFamily="18" charset="0"/>
-              </a:rPr>
-              <a:t>X</a:t>
-            </a:r>
-            <a:endParaRPr lang="ko-KR" altLang="en-US" sz="2400" i="1" dirty="0">
-              <a:latin typeface="Adobe Devanagari" panose="02040503050201020203" pitchFamily="18" charset="0"/>
-              <a:ea typeface="바탕" panose="02030600000101010101" pitchFamily="18" charset="-127"/>
-              <a:cs typeface="Adobe Devanagari" panose="02040503050201020203" pitchFamily="18" charset="0"/>
-            </a:endParaRPr>
-          </a:p>
-        </p:txBody>
-      </p:sp>
+      <mc:AlternateContent xmlns:mc="http://schemas.openxmlformats.org/markup-compatibility/2006">
+        <mc:Choice xmlns:a14="http://schemas.microsoft.com/office/drawing/2010/main" Requires="a14">
+          <p:sp>
+            <p:nvSpPr>
+              <p:cNvPr id="34" name="TextBox 33">
+                <a:extLst>
+                  <a:ext uri="{FF2B5EF4-FFF2-40B4-BE49-F238E27FC236}">
+                    <a16:creationId xmlns:a16="http://schemas.microsoft.com/office/drawing/2014/main" id="{5A55BDC0-F5E0-1310-9631-7B501E89F425}"/>
+                  </a:ext>
+                </a:extLst>
+              </p:cNvPr>
+              <p:cNvSpPr txBox="1"/>
+              <p:nvPr/>
+            </p:nvSpPr>
+            <p:spPr>
+              <a:xfrm>
+                <a:off x="4388228" y="3511120"/>
+                <a:ext cx="596702" cy="461665"/>
+              </a:xfrm>
+              <a:prstGeom prst="rect">
+                <a:avLst/>
+              </a:prstGeom>
+              <a:solidFill>
+                <a:schemeClr val="bg1"/>
+              </a:solidFill>
+            </p:spPr>
+            <p:txBody>
+              <a:bodyPr wrap="none" rtlCol="0">
+                <a:spAutoFit/>
+              </a:bodyPr>
+              <a:lstStyle/>
+              <a:p>
+                <a:pPr/>
+                <a14:m>
+                  <m:oMathPara xmlns:m="http://schemas.openxmlformats.org/officeDocument/2006/math">
+                    <m:oMathParaPr>
+                      <m:jc m:val="centerGroup"/>
+                    </m:oMathParaPr>
+                    <m:oMath xmlns:m="http://schemas.openxmlformats.org/officeDocument/2006/math">
+                      <m:sSub>
+                        <m:sSubPr>
+                          <m:ctrlPr>
+                            <a:rPr lang="en-US" altLang="ko-KR" sz="2400" i="1" smtClean="0">
+                              <a:latin typeface="Cambria Math" panose="02040503050406030204" pitchFamily="18" charset="0"/>
+                              <a:ea typeface="바탕" panose="02030600000101010101" pitchFamily="18" charset="-127"/>
+                            </a:rPr>
+                          </m:ctrlPr>
+                        </m:sSubPr>
+                        <m:e>
+                          <m:r>
+                            <a:rPr lang="en-US" altLang="ko-KR" sz="2400" b="0" i="1" smtClean="0">
+                              <a:latin typeface="Cambria Math" panose="02040503050406030204" pitchFamily="18" charset="0"/>
+                              <a:ea typeface="바탕" panose="02030600000101010101" pitchFamily="18" charset="-127"/>
+                            </a:rPr>
+                            <m:t>𝑁</m:t>
+                          </m:r>
+                        </m:e>
+                        <m:sub>
+                          <m:r>
+                            <a:rPr lang="en-US" altLang="ko-KR" sz="2400" b="0" i="1" smtClean="0">
+                              <a:latin typeface="Cambria Math" panose="02040503050406030204" pitchFamily="18" charset="0"/>
+                              <a:ea typeface="바탕" panose="02030600000101010101" pitchFamily="18" charset="-127"/>
+                            </a:rPr>
+                            <m:t>3</m:t>
+                          </m:r>
+                        </m:sub>
+                      </m:sSub>
+                    </m:oMath>
+                  </m:oMathPara>
+                </a14:m>
+                <a:endParaRPr lang="ko-KR" altLang="en-US" sz="2400" i="1" dirty="0">
+                  <a:latin typeface="Adobe Devanagari" panose="02040503050201020203" pitchFamily="18" charset="0"/>
+                  <a:ea typeface="바탕" panose="02030600000101010101" pitchFamily="18" charset="-127"/>
+                  <a:cs typeface="Adobe Devanagari" panose="02040503050201020203" pitchFamily="18" charset="0"/>
+                </a:endParaRPr>
+              </a:p>
+            </p:txBody>
+          </p:sp>
+        </mc:Choice>
+        <mc:Fallback>
+          <p:sp>
+            <p:nvSpPr>
+              <p:cNvPr id="34" name="TextBox 33">
+                <a:extLst>
+                  <a:ext uri="{FF2B5EF4-FFF2-40B4-BE49-F238E27FC236}">
+                    <a16:creationId xmlns:a16="http://schemas.microsoft.com/office/drawing/2014/main" id="{5A55BDC0-F5E0-1310-9631-7B501E89F425}"/>
+                  </a:ext>
+                </a:extLst>
+              </p:cNvPr>
+              <p:cNvSpPr txBox="1">
+                <a:spLocks noRot="1" noChangeAspect="1" noMove="1" noResize="1" noEditPoints="1" noAdjustHandles="1" noChangeArrowheads="1" noChangeShapeType="1" noTextEdit="1"/>
+              </p:cNvSpPr>
+              <p:nvPr/>
+            </p:nvSpPr>
+            <p:spPr>
+              <a:xfrm>
+                <a:off x="4388228" y="3511120"/>
+                <a:ext cx="596702" cy="461665"/>
+              </a:xfrm>
+              <a:prstGeom prst="rect">
+                <a:avLst/>
+              </a:prstGeom>
+              <a:blipFill>
+                <a:blip r:embed="rId10"/>
+                <a:stretch>
+                  <a:fillRect/>
+                </a:stretch>
+              </a:blipFill>
+            </p:spPr>
+            <p:txBody>
+              <a:bodyPr/>
+              <a:lstStyle/>
+              <a:p>
+                <a:r>
+                  <a:rPr lang="ko-KR" altLang="en-US">
+                    <a:noFill/>
+                  </a:rPr>
+                  <a:t> </a:t>
+                </a:r>
+              </a:p>
+            </p:txBody>
+          </p:sp>
+        </mc:Fallback>
+      </mc:AlternateContent>
       <p:cxnSp>
         <p:nvCxnSpPr>
           <p:cNvPr id="35" name="직선 화살표 연결선 17">
@@ -5024,52 +5725,130 @@
           </a:p>
         </p:txBody>
       </p:sp>
-      <p:sp>
-        <p:nvSpPr>
-          <p:cNvPr id="37" name="TextBox 36">
-            <a:extLst>
-              <a:ext uri="{FF2B5EF4-FFF2-40B4-BE49-F238E27FC236}">
-                <a16:creationId xmlns:a16="http://schemas.microsoft.com/office/drawing/2014/main" id="{F9205918-A02A-094A-F599-0278F050C439}"/>
-              </a:ext>
-            </a:extLst>
-          </p:cNvPr>
-          <p:cNvSpPr txBox="1"/>
-          <p:nvPr/>
-        </p:nvSpPr>
-        <p:spPr>
-          <a:xfrm>
-            <a:off x="6168109" y="3511120"/>
-            <a:ext cx="360996" cy="461665"/>
-          </a:xfrm>
-          <a:prstGeom prst="rect">
-            <a:avLst/>
-          </a:prstGeom>
-          <a:solidFill>
-            <a:schemeClr val="bg1"/>
-          </a:solidFill>
-        </p:spPr>
-        <p:txBody>
-          <a:bodyPr wrap="none" rtlCol="0">
-            <a:spAutoFit/>
-          </a:bodyPr>
-          <a:lstStyle/>
-          <a:p>
-            <a:r>
-              <a:rPr lang="en-US" altLang="ko-KR" sz="2400" i="1" dirty="0">
-                <a:latin typeface="Adobe Devanagari" panose="02040503050201020203" pitchFamily="18" charset="0"/>
-                <a:ea typeface="바탕" panose="02030600000101010101" pitchFamily="18" charset="-127"/>
-                <a:cs typeface="Adobe Devanagari" panose="02040503050201020203" pitchFamily="18" charset="0"/>
-              </a:rPr>
-              <a:t>Y</a:t>
-            </a:r>
-            <a:endParaRPr lang="ko-KR" altLang="en-US" sz="2400" i="1" dirty="0">
-              <a:latin typeface="Adobe Devanagari" panose="02040503050201020203" pitchFamily="18" charset="0"/>
-              <a:ea typeface="바탕" panose="02030600000101010101" pitchFamily="18" charset="-127"/>
-              <a:cs typeface="Adobe Devanagari" panose="02040503050201020203" pitchFamily="18" charset="0"/>
-            </a:endParaRPr>
-          </a:p>
-        </p:txBody>
-      </p:sp>
+      <mc:AlternateContent xmlns:mc="http://schemas.openxmlformats.org/markup-compatibility/2006">
+        <mc:Choice xmlns:a14="http://schemas.microsoft.com/office/drawing/2010/main" Requires="a14">
+          <p:sp>
+            <p:nvSpPr>
+              <p:cNvPr id="37" name="TextBox 36">
+                <a:extLst>
+                  <a:ext uri="{FF2B5EF4-FFF2-40B4-BE49-F238E27FC236}">
+                    <a16:creationId xmlns:a16="http://schemas.microsoft.com/office/drawing/2014/main" id="{F9205918-A02A-094A-F599-0278F050C439}"/>
+                  </a:ext>
+                </a:extLst>
+              </p:cNvPr>
+              <p:cNvSpPr txBox="1"/>
+              <p:nvPr/>
+            </p:nvSpPr>
+            <p:spPr>
+              <a:xfrm>
+                <a:off x="6084985" y="3511120"/>
+                <a:ext cx="596702" cy="461665"/>
+              </a:xfrm>
+              <a:prstGeom prst="rect">
+                <a:avLst/>
+              </a:prstGeom>
+              <a:solidFill>
+                <a:schemeClr val="bg1"/>
+              </a:solidFill>
+            </p:spPr>
+            <p:txBody>
+              <a:bodyPr wrap="none" rtlCol="0">
+                <a:spAutoFit/>
+              </a:bodyPr>
+              <a:lstStyle/>
+              <a:p>
+                <a:pPr/>
+                <a14:m>
+                  <m:oMathPara xmlns:m="http://schemas.openxmlformats.org/officeDocument/2006/math">
+                    <m:oMathParaPr>
+                      <m:jc m:val="centerGroup"/>
+                    </m:oMathParaPr>
+                    <m:oMath xmlns:m="http://schemas.openxmlformats.org/officeDocument/2006/math">
+                      <m:sSub>
+                        <m:sSubPr>
+                          <m:ctrlPr>
+                            <a:rPr lang="en-US" altLang="ko-KR" sz="2400" i="1" smtClean="0">
+                              <a:latin typeface="Cambria Math" panose="02040503050406030204" pitchFamily="18" charset="0"/>
+                              <a:ea typeface="바탕" panose="02030600000101010101" pitchFamily="18" charset="-127"/>
+                            </a:rPr>
+                          </m:ctrlPr>
+                        </m:sSubPr>
+                        <m:e>
+                          <m:r>
+                            <a:rPr lang="en-US" altLang="ko-KR" sz="2400" b="0" i="1" smtClean="0">
+                              <a:latin typeface="Cambria Math" panose="02040503050406030204" pitchFamily="18" charset="0"/>
+                              <a:ea typeface="바탕" panose="02030600000101010101" pitchFamily="18" charset="-127"/>
+                            </a:rPr>
+                            <m:t>𝑁</m:t>
+                          </m:r>
+                        </m:e>
+                        <m:sub>
+                          <m:r>
+                            <a:rPr lang="en-US" altLang="ko-KR" sz="2400" b="0" i="1" smtClean="0">
+                              <a:latin typeface="Cambria Math" panose="02040503050406030204" pitchFamily="18" charset="0"/>
+                              <a:ea typeface="바탕" panose="02030600000101010101" pitchFamily="18" charset="-127"/>
+                            </a:rPr>
+                            <m:t>3</m:t>
+                          </m:r>
+                        </m:sub>
+                      </m:sSub>
+                    </m:oMath>
+                  </m:oMathPara>
+                </a14:m>
+                <a:endParaRPr lang="ko-KR" altLang="en-US" sz="2400" i="1" dirty="0">
+                  <a:latin typeface="Adobe Devanagari" panose="02040503050201020203" pitchFamily="18" charset="0"/>
+                  <a:ea typeface="바탕" panose="02030600000101010101" pitchFamily="18" charset="-127"/>
+                  <a:cs typeface="Adobe Devanagari" panose="02040503050201020203" pitchFamily="18" charset="0"/>
+                </a:endParaRPr>
+              </a:p>
+            </p:txBody>
+          </p:sp>
+        </mc:Choice>
+        <mc:Fallback>
+          <p:sp>
+            <p:nvSpPr>
+              <p:cNvPr id="37" name="TextBox 36">
+                <a:extLst>
+                  <a:ext uri="{FF2B5EF4-FFF2-40B4-BE49-F238E27FC236}">
+                    <a16:creationId xmlns:a16="http://schemas.microsoft.com/office/drawing/2014/main" id="{F9205918-A02A-094A-F599-0278F050C439}"/>
+                  </a:ext>
+                </a:extLst>
+              </p:cNvPr>
+              <p:cNvSpPr txBox="1">
+                <a:spLocks noRot="1" noChangeAspect="1" noMove="1" noResize="1" noEditPoints="1" noAdjustHandles="1" noChangeArrowheads="1" noChangeShapeType="1" noTextEdit="1"/>
+              </p:cNvSpPr>
+              <p:nvPr/>
+            </p:nvSpPr>
+            <p:spPr>
+              <a:xfrm>
+                <a:off x="6084985" y="3511120"/>
+                <a:ext cx="596702" cy="461665"/>
+              </a:xfrm>
+              <a:prstGeom prst="rect">
+                <a:avLst/>
+              </a:prstGeom>
+              <a:blipFill>
+                <a:blip r:embed="rId11"/>
+                <a:stretch>
+                  <a:fillRect/>
+                </a:stretch>
+              </a:blipFill>
+            </p:spPr>
+            <p:txBody>
+              <a:bodyPr/>
+              <a:lstStyle/>
+              <a:p>
+                <a:r>
+                  <a:rPr lang="ko-KR" altLang="en-US">
+                    <a:noFill/>
+                  </a:rPr>
+                  <a:t> </a:t>
+                </a:r>
+              </a:p>
+            </p:txBody>
+          </p:sp>
+        </mc:Fallback>
+      </mc:AlternateContent>
       <p:sp>
         <p:nvSpPr>
           <p:cNvPr id="39" name="사각형: 둥근 모서리 22">
@@ -5182,52 +5961,130 @@
           </a:p>
         </p:txBody>
       </p:sp>
-      <p:sp>
-        <p:nvSpPr>
-          <p:cNvPr id="40" name="TextBox 39">
-            <a:extLst>
-              <a:ext uri="{FF2B5EF4-FFF2-40B4-BE49-F238E27FC236}">
-                <a16:creationId xmlns:a16="http://schemas.microsoft.com/office/drawing/2014/main" id="{D21CA341-3E53-05ED-DBD6-FADEE5D6D6E6}"/>
-              </a:ext>
-            </a:extLst>
-          </p:cNvPr>
-          <p:cNvSpPr txBox="1"/>
-          <p:nvPr/>
-        </p:nvSpPr>
-        <p:spPr>
-          <a:xfrm>
-            <a:off x="8526135" y="3511120"/>
-            <a:ext cx="369012" cy="461665"/>
-          </a:xfrm>
-          <a:prstGeom prst="rect">
-            <a:avLst/>
-          </a:prstGeom>
-          <a:solidFill>
-            <a:schemeClr val="bg1"/>
-          </a:solidFill>
-        </p:spPr>
-        <p:txBody>
-          <a:bodyPr wrap="none" rtlCol="0">
-            <a:spAutoFit/>
-          </a:bodyPr>
-          <a:lstStyle/>
-          <a:p>
-            <a:r>
-              <a:rPr lang="en-US" altLang="ko-KR" sz="2400" i="1" dirty="0">
-                <a:latin typeface="Adobe Devanagari" panose="02040503050201020203" pitchFamily="18" charset="0"/>
-                <a:ea typeface="바탕" panose="02030600000101010101" pitchFamily="18" charset="-127"/>
-                <a:cs typeface="Adobe Devanagari" panose="02040503050201020203" pitchFamily="18" charset="0"/>
-              </a:rPr>
-              <a:t>X</a:t>
-            </a:r>
-            <a:endParaRPr lang="ko-KR" altLang="en-US" sz="2400" i="1" dirty="0">
-              <a:latin typeface="Adobe Devanagari" panose="02040503050201020203" pitchFamily="18" charset="0"/>
-              <a:ea typeface="바탕" panose="02030600000101010101" pitchFamily="18" charset="-127"/>
-              <a:cs typeface="Adobe Devanagari" panose="02040503050201020203" pitchFamily="18" charset="0"/>
-            </a:endParaRPr>
-          </a:p>
-        </p:txBody>
-      </p:sp>
+      <mc:AlternateContent xmlns:mc="http://schemas.openxmlformats.org/markup-compatibility/2006">
+        <mc:Choice xmlns:a14="http://schemas.microsoft.com/office/drawing/2010/main" Requires="a14">
+          <p:sp>
+            <p:nvSpPr>
+              <p:cNvPr id="40" name="TextBox 39">
+                <a:extLst>
+                  <a:ext uri="{FF2B5EF4-FFF2-40B4-BE49-F238E27FC236}">
+                    <a16:creationId xmlns:a16="http://schemas.microsoft.com/office/drawing/2014/main" id="{D21CA341-3E53-05ED-DBD6-FADEE5D6D6E6}"/>
+                  </a:ext>
+                </a:extLst>
+              </p:cNvPr>
+              <p:cNvSpPr txBox="1"/>
+              <p:nvPr/>
+            </p:nvSpPr>
+            <p:spPr>
+              <a:xfrm>
+                <a:off x="8452247" y="3511120"/>
+                <a:ext cx="596702" cy="461665"/>
+              </a:xfrm>
+              <a:prstGeom prst="rect">
+                <a:avLst/>
+              </a:prstGeom>
+              <a:solidFill>
+                <a:schemeClr val="bg1"/>
+              </a:solidFill>
+            </p:spPr>
+            <p:txBody>
+              <a:bodyPr wrap="none" rtlCol="0">
+                <a:spAutoFit/>
+              </a:bodyPr>
+              <a:lstStyle/>
+              <a:p>
+                <a:pPr/>
+                <a14:m>
+                  <m:oMathPara xmlns:m="http://schemas.openxmlformats.org/officeDocument/2006/math">
+                    <m:oMathParaPr>
+                      <m:jc m:val="centerGroup"/>
+                    </m:oMathParaPr>
+                    <m:oMath xmlns:m="http://schemas.openxmlformats.org/officeDocument/2006/math">
+                      <m:sSub>
+                        <m:sSubPr>
+                          <m:ctrlPr>
+                            <a:rPr lang="en-US" altLang="ko-KR" sz="2400" i="1" smtClean="0">
+                              <a:latin typeface="Cambria Math" panose="02040503050406030204" pitchFamily="18" charset="0"/>
+                              <a:ea typeface="바탕" panose="02030600000101010101" pitchFamily="18" charset="-127"/>
+                            </a:rPr>
+                          </m:ctrlPr>
+                        </m:sSubPr>
+                        <m:e>
+                          <m:r>
+                            <a:rPr lang="en-US" altLang="ko-KR" sz="2400" b="0" i="1" smtClean="0">
+                              <a:latin typeface="Cambria Math" panose="02040503050406030204" pitchFamily="18" charset="0"/>
+                              <a:ea typeface="바탕" panose="02030600000101010101" pitchFamily="18" charset="-127"/>
+                            </a:rPr>
+                            <m:t>𝑁</m:t>
+                          </m:r>
+                        </m:e>
+                        <m:sub>
+                          <m:r>
+                            <a:rPr lang="en-US" altLang="ko-KR" sz="2400" b="0" i="1" smtClean="0">
+                              <a:latin typeface="Cambria Math" panose="02040503050406030204" pitchFamily="18" charset="0"/>
+                              <a:ea typeface="바탕" panose="02030600000101010101" pitchFamily="18" charset="-127"/>
+                            </a:rPr>
+                            <m:t>3</m:t>
+                          </m:r>
+                        </m:sub>
+                      </m:sSub>
+                    </m:oMath>
+                  </m:oMathPara>
+                </a14:m>
+                <a:endParaRPr lang="ko-KR" altLang="en-US" sz="2400" i="1" dirty="0">
+                  <a:latin typeface="Adobe Devanagari" panose="02040503050201020203" pitchFamily="18" charset="0"/>
+                  <a:ea typeface="바탕" panose="02030600000101010101" pitchFamily="18" charset="-127"/>
+                  <a:cs typeface="Adobe Devanagari" panose="02040503050201020203" pitchFamily="18" charset="0"/>
+                </a:endParaRPr>
+              </a:p>
+            </p:txBody>
+          </p:sp>
+        </mc:Choice>
+        <mc:Fallback>
+          <p:sp>
+            <p:nvSpPr>
+              <p:cNvPr id="40" name="TextBox 39">
+                <a:extLst>
+                  <a:ext uri="{FF2B5EF4-FFF2-40B4-BE49-F238E27FC236}">
+                    <a16:creationId xmlns:a16="http://schemas.microsoft.com/office/drawing/2014/main" id="{D21CA341-3E53-05ED-DBD6-FADEE5D6D6E6}"/>
+                  </a:ext>
+                </a:extLst>
+              </p:cNvPr>
+              <p:cNvSpPr txBox="1">
+                <a:spLocks noRot="1" noChangeAspect="1" noMove="1" noResize="1" noEditPoints="1" noAdjustHandles="1" noChangeArrowheads="1" noChangeShapeType="1" noTextEdit="1"/>
+              </p:cNvSpPr>
+              <p:nvPr/>
+            </p:nvSpPr>
+            <p:spPr>
+              <a:xfrm>
+                <a:off x="8452247" y="3511120"/>
+                <a:ext cx="596702" cy="461665"/>
+              </a:xfrm>
+              <a:prstGeom prst="rect">
+                <a:avLst/>
+              </a:prstGeom>
+              <a:blipFill>
+                <a:blip r:embed="rId12"/>
+                <a:stretch>
+                  <a:fillRect/>
+                </a:stretch>
+              </a:blipFill>
+            </p:spPr>
+            <p:txBody>
+              <a:bodyPr/>
+              <a:lstStyle/>
+              <a:p>
+                <a:r>
+                  <a:rPr lang="ko-KR" altLang="en-US">
+                    <a:noFill/>
+                  </a:rPr>
+                  <a:t> </a:t>
+                </a:r>
+              </a:p>
+            </p:txBody>
+          </p:sp>
+        </mc:Fallback>
+      </mc:AlternateContent>
       <p:sp>
         <p:nvSpPr>
           <p:cNvPr id="42" name="사각형: 둥근 모서리 25">
@@ -5335,52 +6192,130 @@
           </a:p>
         </p:txBody>
       </p:sp>
-      <p:sp>
-        <p:nvSpPr>
-          <p:cNvPr id="43" name="TextBox 42">
-            <a:extLst>
-              <a:ext uri="{FF2B5EF4-FFF2-40B4-BE49-F238E27FC236}">
-                <a16:creationId xmlns:a16="http://schemas.microsoft.com/office/drawing/2014/main" id="{F1AE64E0-6ED6-5144-969A-34FE90C8DC87}"/>
-              </a:ext>
-            </a:extLst>
-          </p:cNvPr>
-          <p:cNvSpPr txBox="1"/>
-          <p:nvPr/>
-        </p:nvSpPr>
-        <p:spPr>
-          <a:xfrm>
-            <a:off x="10232128" y="3511120"/>
-            <a:ext cx="360996" cy="461665"/>
-          </a:xfrm>
-          <a:prstGeom prst="rect">
-            <a:avLst/>
-          </a:prstGeom>
-          <a:solidFill>
-            <a:schemeClr val="bg1"/>
-          </a:solidFill>
-        </p:spPr>
-        <p:txBody>
-          <a:bodyPr wrap="none" rtlCol="0">
-            <a:spAutoFit/>
-          </a:bodyPr>
-          <a:lstStyle/>
-          <a:p>
-            <a:r>
-              <a:rPr lang="en-US" altLang="ko-KR" sz="2400" i="1" dirty="0">
-                <a:latin typeface="Adobe Devanagari" panose="02040503050201020203" pitchFamily="18" charset="0"/>
-                <a:ea typeface="바탕" panose="02030600000101010101" pitchFamily="18" charset="-127"/>
-                <a:cs typeface="Adobe Devanagari" panose="02040503050201020203" pitchFamily="18" charset="0"/>
-              </a:rPr>
-              <a:t>Y</a:t>
-            </a:r>
-            <a:endParaRPr lang="ko-KR" altLang="en-US" sz="2400" i="1" dirty="0">
-              <a:latin typeface="Adobe Devanagari" panose="02040503050201020203" pitchFamily="18" charset="0"/>
-              <a:ea typeface="바탕" panose="02030600000101010101" pitchFamily="18" charset="-127"/>
-              <a:cs typeface="Adobe Devanagari" panose="02040503050201020203" pitchFamily="18" charset="0"/>
-            </a:endParaRPr>
-          </a:p>
-        </p:txBody>
-      </p:sp>
+      <mc:AlternateContent xmlns:mc="http://schemas.openxmlformats.org/markup-compatibility/2006">
+        <mc:Choice xmlns:a14="http://schemas.microsoft.com/office/drawing/2010/main" Requires="a14">
+          <p:sp>
+            <p:nvSpPr>
+              <p:cNvPr id="43" name="TextBox 42">
+                <a:extLst>
+                  <a:ext uri="{FF2B5EF4-FFF2-40B4-BE49-F238E27FC236}">
+                    <a16:creationId xmlns:a16="http://schemas.microsoft.com/office/drawing/2014/main" id="{F1AE64E0-6ED6-5144-969A-34FE90C8DC87}"/>
+                  </a:ext>
+                </a:extLst>
+              </p:cNvPr>
+              <p:cNvSpPr txBox="1"/>
+              <p:nvPr/>
+            </p:nvSpPr>
+            <p:spPr>
+              <a:xfrm>
+                <a:off x="10149004" y="3511120"/>
+                <a:ext cx="596702" cy="461665"/>
+              </a:xfrm>
+              <a:prstGeom prst="rect">
+                <a:avLst/>
+              </a:prstGeom>
+              <a:solidFill>
+                <a:schemeClr val="bg1"/>
+              </a:solidFill>
+            </p:spPr>
+            <p:txBody>
+              <a:bodyPr wrap="none" rtlCol="0">
+                <a:spAutoFit/>
+              </a:bodyPr>
+              <a:lstStyle/>
+              <a:p>
+                <a:pPr/>
+                <a14:m>
+                  <m:oMathPara xmlns:m="http://schemas.openxmlformats.org/officeDocument/2006/math">
+                    <m:oMathParaPr>
+                      <m:jc m:val="centerGroup"/>
+                    </m:oMathParaPr>
+                    <m:oMath xmlns:m="http://schemas.openxmlformats.org/officeDocument/2006/math">
+                      <m:sSub>
+                        <m:sSubPr>
+                          <m:ctrlPr>
+                            <a:rPr lang="en-US" altLang="ko-KR" sz="2400" i="1" smtClean="0">
+                              <a:latin typeface="Cambria Math" panose="02040503050406030204" pitchFamily="18" charset="0"/>
+                              <a:ea typeface="바탕" panose="02030600000101010101" pitchFamily="18" charset="-127"/>
+                            </a:rPr>
+                          </m:ctrlPr>
+                        </m:sSubPr>
+                        <m:e>
+                          <m:r>
+                            <a:rPr lang="en-US" altLang="ko-KR" sz="2400" b="0" i="1" smtClean="0">
+                              <a:latin typeface="Cambria Math" panose="02040503050406030204" pitchFamily="18" charset="0"/>
+                              <a:ea typeface="바탕" panose="02030600000101010101" pitchFamily="18" charset="-127"/>
+                            </a:rPr>
+                            <m:t>𝑁</m:t>
+                          </m:r>
+                        </m:e>
+                        <m:sub>
+                          <m:r>
+                            <a:rPr lang="en-US" altLang="ko-KR" sz="2400" b="0" i="1" smtClean="0">
+                              <a:latin typeface="Cambria Math" panose="02040503050406030204" pitchFamily="18" charset="0"/>
+                              <a:ea typeface="바탕" panose="02030600000101010101" pitchFamily="18" charset="-127"/>
+                            </a:rPr>
+                            <m:t>3</m:t>
+                          </m:r>
+                        </m:sub>
+                      </m:sSub>
+                    </m:oMath>
+                  </m:oMathPara>
+                </a14:m>
+                <a:endParaRPr lang="ko-KR" altLang="en-US" sz="2400" i="1" dirty="0">
+                  <a:latin typeface="Adobe Devanagari" panose="02040503050201020203" pitchFamily="18" charset="0"/>
+                  <a:ea typeface="바탕" panose="02030600000101010101" pitchFamily="18" charset="-127"/>
+                  <a:cs typeface="Adobe Devanagari" panose="02040503050201020203" pitchFamily="18" charset="0"/>
+                </a:endParaRPr>
+              </a:p>
+            </p:txBody>
+          </p:sp>
+        </mc:Choice>
+        <mc:Fallback>
+          <p:sp>
+            <p:nvSpPr>
+              <p:cNvPr id="43" name="TextBox 42">
+                <a:extLst>
+                  <a:ext uri="{FF2B5EF4-FFF2-40B4-BE49-F238E27FC236}">
+                    <a16:creationId xmlns:a16="http://schemas.microsoft.com/office/drawing/2014/main" id="{F1AE64E0-6ED6-5144-969A-34FE90C8DC87}"/>
+                  </a:ext>
+                </a:extLst>
+              </p:cNvPr>
+              <p:cNvSpPr txBox="1">
+                <a:spLocks noRot="1" noChangeAspect="1" noMove="1" noResize="1" noEditPoints="1" noAdjustHandles="1" noChangeArrowheads="1" noChangeShapeType="1" noTextEdit="1"/>
+              </p:cNvSpPr>
+              <p:nvPr/>
+            </p:nvSpPr>
+            <p:spPr>
+              <a:xfrm>
+                <a:off x="10149004" y="3511120"/>
+                <a:ext cx="596702" cy="461665"/>
+              </a:xfrm>
+              <a:prstGeom prst="rect">
+                <a:avLst/>
+              </a:prstGeom>
+              <a:blipFill>
+                <a:blip r:embed="rId13"/>
+                <a:stretch>
+                  <a:fillRect/>
+                </a:stretch>
+              </a:blipFill>
+            </p:spPr>
+            <p:txBody>
+              <a:bodyPr/>
+              <a:lstStyle/>
+              <a:p>
+                <a:r>
+                  <a:rPr lang="ko-KR" altLang="en-US">
+                    <a:noFill/>
+                  </a:rPr>
+                  <a:t> </a:t>
+                </a:r>
+              </a:p>
+            </p:txBody>
+          </p:sp>
+        </mc:Fallback>
+      </mc:AlternateContent>
       <p:cxnSp>
         <p:nvCxnSpPr>
           <p:cNvPr id="50" name="직선 화살표 연결선 31">
@@ -5997,8 +6932,8 @@
           </a:fontRef>
         </p:style>
       </p:cxnSp>
-      <mc:AlternateContent xmlns:mc="http://schemas.openxmlformats.org/markup-compatibility/2006">
-        <mc:Choice xmlns:a14="http://schemas.microsoft.com/office/drawing/2010/main" Requires="a14">
+      <mc:AlternateContent xmlns:mc="http://schemas.openxmlformats.org/markup-compatibility/2006" xmlns:a14="http://schemas.microsoft.com/office/drawing/2010/main">
+        <mc:Choice Requires="a14">
           <p:sp>
             <p:nvSpPr>
               <p:cNvPr id="67" name="TextBox 66">
@@ -6027,6 +6962,7 @@
               </a:bodyPr>
               <a:lstStyle/>
               <a:p>
+                <a:pPr/>
                 <a14:m>
                   <m:oMathPara xmlns:m="http://schemas.openxmlformats.org/officeDocument/2006/math">
                     <m:oMathParaPr>
@@ -6069,7 +7005,7 @@
             </p:txBody>
           </p:sp>
         </mc:Choice>
-        <mc:Fallback>
+        <mc:Fallback xmlns="">
           <p:sp>
             <p:nvSpPr>
               <p:cNvPr id="67" name="TextBox 66">
@@ -6093,7 +7029,7 @@
                 <a:avLst/>
               </a:prstGeom>
               <a:blipFill>
-                <a:blip r:embed="rId2"/>
+                <a:blip r:embed="rId14"/>
                 <a:stretch>
                   <a:fillRect b="-1639"/>
                 </a:stretch>
@@ -6130,7 +7066,7 @@
             </p:nvSpPr>
             <p:spPr>
               <a:xfrm>
-                <a:off x="5373646" y="380135"/>
+                <a:off x="5336702" y="380135"/>
                 <a:ext cx="499879" cy="369332"/>
               </a:xfrm>
               <a:prstGeom prst="rect">
@@ -6144,6 +7080,7 @@
               </a:bodyPr>
               <a:lstStyle/>
               <a:p>
+                <a:pPr/>
                 <a14:m>
                   <m:oMathPara xmlns:m="http://schemas.openxmlformats.org/officeDocument/2006/math">
                     <m:oMathParaPr>
@@ -6203,14 +7140,14 @@
             </p:nvSpPr>
             <p:spPr>
               <a:xfrm>
-                <a:off x="5373646" y="380135"/>
+                <a:off x="5336702" y="380135"/>
                 <a:ext cx="499879" cy="369332"/>
               </a:xfrm>
               <a:prstGeom prst="rect">
                 <a:avLst/>
               </a:prstGeom>
               <a:blipFill>
-                <a:blip r:embed="rId3"/>
+                <a:blip r:embed="rId15"/>
                 <a:stretch>
                   <a:fillRect b="-1639"/>
                 </a:stretch>
@@ -6231,8 +7168,8 @@
           </p:sp>
         </mc:Fallback>
       </mc:AlternateContent>
-      <mc:AlternateContent xmlns:mc="http://schemas.openxmlformats.org/markup-compatibility/2006">
-        <mc:Choice xmlns:a14="http://schemas.microsoft.com/office/drawing/2010/main" Requires="a14">
+      <mc:AlternateContent xmlns:mc="http://schemas.openxmlformats.org/markup-compatibility/2006" xmlns:a14="http://schemas.microsoft.com/office/drawing/2010/main">
+        <mc:Choice Requires="a14">
           <p:sp>
             <p:nvSpPr>
               <p:cNvPr id="75" name="TextBox 74">
@@ -6261,6 +7198,7 @@
               </a:bodyPr>
               <a:lstStyle/>
               <a:p>
+                <a:pPr/>
                 <a14:m>
                   <m:oMathPara xmlns:m="http://schemas.openxmlformats.org/officeDocument/2006/math">
                     <m:oMathParaPr>
@@ -6303,7 +7241,7 @@
             </p:txBody>
           </p:sp>
         </mc:Choice>
-        <mc:Fallback>
+        <mc:Fallback xmlns="">
           <p:sp>
             <p:nvSpPr>
               <p:cNvPr id="75" name="TextBox 74">
@@ -6327,7 +7265,7 @@
                 <a:avLst/>
               </a:prstGeom>
               <a:blipFill>
-                <a:blip r:embed="rId4"/>
+                <a:blip r:embed="rId16"/>
                 <a:stretch>
                   <a:fillRect b="-3333"/>
                 </a:stretch>
@@ -6348,8 +7286,8 @@
           </p:sp>
         </mc:Fallback>
       </mc:AlternateContent>
-      <mc:AlternateContent xmlns:mc="http://schemas.openxmlformats.org/markup-compatibility/2006">
-        <mc:Choice xmlns:a14="http://schemas.microsoft.com/office/drawing/2010/main" Requires="a14">
+      <mc:AlternateContent xmlns:mc="http://schemas.openxmlformats.org/markup-compatibility/2006" xmlns:a14="http://schemas.microsoft.com/office/drawing/2010/main">
+        <mc:Choice Requires="a14">
           <p:sp>
             <p:nvSpPr>
               <p:cNvPr id="76" name="TextBox 75">
@@ -6378,6 +7316,7 @@
               </a:bodyPr>
               <a:lstStyle/>
               <a:p>
+                <a:pPr/>
                 <a14:m>
                   <m:oMathPara xmlns:m="http://schemas.openxmlformats.org/officeDocument/2006/math">
                     <m:oMathParaPr>
@@ -6420,7 +7359,7 @@
             </p:txBody>
           </p:sp>
         </mc:Choice>
-        <mc:Fallback>
+        <mc:Fallback xmlns="">
           <p:sp>
             <p:nvSpPr>
               <p:cNvPr id="76" name="TextBox 75">
@@ -6444,7 +7383,7 @@
                 <a:avLst/>
               </a:prstGeom>
               <a:blipFill>
-                <a:blip r:embed="rId5"/>
+                <a:blip r:embed="rId17"/>
                 <a:stretch>
                   <a:fillRect b="-1639"/>
                 </a:stretch>
@@ -6481,7 +7420,7 @@
             </p:nvSpPr>
             <p:spPr>
               <a:xfrm>
-                <a:off x="5373646" y="3219388"/>
+                <a:off x="5336702" y="3219388"/>
                 <a:ext cx="499879" cy="369332"/>
               </a:xfrm>
               <a:prstGeom prst="rect">
@@ -6495,6 +7434,7 @@
               </a:bodyPr>
               <a:lstStyle/>
               <a:p>
+                <a:pPr/>
                 <a14:m>
                   <m:oMathPara xmlns:m="http://schemas.openxmlformats.org/officeDocument/2006/math">
                     <m:oMathParaPr>
@@ -6554,14 +7494,14 @@
             </p:nvSpPr>
             <p:spPr>
               <a:xfrm>
-                <a:off x="5373646" y="3219388"/>
+                <a:off x="5336702" y="3219388"/>
                 <a:ext cx="499879" cy="369332"/>
               </a:xfrm>
               <a:prstGeom prst="rect">
                 <a:avLst/>
               </a:prstGeom>
               <a:blipFill>
-                <a:blip r:embed="rId6"/>
+                <a:blip r:embed="rId18"/>
                 <a:stretch>
                   <a:fillRect b="-3279"/>
                 </a:stretch>
@@ -6582,8 +7522,8 @@
           </p:sp>
         </mc:Fallback>
       </mc:AlternateContent>
-      <mc:AlternateContent xmlns:mc="http://schemas.openxmlformats.org/markup-compatibility/2006">
-        <mc:Choice xmlns:a14="http://schemas.microsoft.com/office/drawing/2010/main" Requires="a14">
+      <mc:AlternateContent xmlns:mc="http://schemas.openxmlformats.org/markup-compatibility/2006" xmlns:a14="http://schemas.microsoft.com/office/drawing/2010/main">
+        <mc:Choice Requires="a14">
           <p:sp>
             <p:nvSpPr>
               <p:cNvPr id="78" name="TextBox 77">
@@ -6612,6 +7552,7 @@
               </a:bodyPr>
               <a:lstStyle/>
               <a:p>
+                <a:pPr/>
                 <a14:m>
                   <m:oMathPara xmlns:m="http://schemas.openxmlformats.org/officeDocument/2006/math">
                     <m:oMathParaPr>
@@ -6654,7 +7595,7 @@
             </p:txBody>
           </p:sp>
         </mc:Choice>
-        <mc:Fallback>
+        <mc:Fallback xmlns="">
           <p:sp>
             <p:nvSpPr>
               <p:cNvPr id="78" name="TextBox 77">
@@ -6678,7 +7619,7 @@
                 <a:avLst/>
               </a:prstGeom>
               <a:blipFill>
-                <a:blip r:embed="rId7"/>
+                <a:blip r:embed="rId19"/>
                 <a:stretch>
                   <a:fillRect b="-3333"/>
                 </a:stretch>
@@ -6816,52 +7757,129 @@
           </a:p>
         </p:txBody>
       </p:sp>
-      <p:sp>
-        <p:nvSpPr>
-          <p:cNvPr id="7" name="TextBox 6">
-            <a:extLst>
-              <a:ext uri="{FF2B5EF4-FFF2-40B4-BE49-F238E27FC236}">
-                <a16:creationId xmlns:a16="http://schemas.microsoft.com/office/drawing/2014/main" id="{767B496E-06D1-4FAE-BCCA-4DF9A33010DF}"/>
-              </a:ext>
-            </a:extLst>
-          </p:cNvPr>
-          <p:cNvSpPr txBox="1"/>
-          <p:nvPr/>
-        </p:nvSpPr>
-        <p:spPr>
-          <a:xfrm>
-            <a:off x="2882566" y="684285"/>
-            <a:ext cx="369012" cy="461665"/>
-          </a:xfrm>
-          <a:prstGeom prst="rect">
-            <a:avLst/>
-          </a:prstGeom>
-          <a:solidFill>
-            <a:schemeClr val="bg1"/>
-          </a:solidFill>
-        </p:spPr>
-        <p:txBody>
-          <a:bodyPr wrap="none" rtlCol="0">
-            <a:spAutoFit/>
-          </a:bodyPr>
-          <a:lstStyle/>
-          <a:p>
-            <a:r>
-              <a:rPr lang="en-US" altLang="ko-KR" sz="2400" i="1" dirty="0">
-                <a:latin typeface="Adobe Devanagari" panose="02040503050201020203" pitchFamily="18" charset="0"/>
-                <a:ea typeface="바탕" panose="02030600000101010101" pitchFamily="18" charset="-127"/>
-                <a:cs typeface="Adobe Devanagari" panose="02040503050201020203" pitchFamily="18" charset="0"/>
-              </a:rPr>
-              <a:t>X</a:t>
-            </a:r>
-            <a:endParaRPr lang="ko-KR" altLang="en-US" sz="2400" i="1" dirty="0">
-              <a:latin typeface="Adobe Devanagari" panose="02040503050201020203" pitchFamily="18" charset="0"/>
-              <a:ea typeface="바탕" panose="02030600000101010101" pitchFamily="18" charset="-127"/>
-              <a:cs typeface="Adobe Devanagari" panose="02040503050201020203" pitchFamily="18" charset="0"/>
-            </a:endParaRPr>
-          </a:p>
-        </p:txBody>
-      </p:sp>
+      <mc:AlternateContent xmlns:mc="http://schemas.openxmlformats.org/markup-compatibility/2006">
+        <mc:Choice xmlns:a14="http://schemas.microsoft.com/office/drawing/2010/main" Requires="a14">
+          <p:sp>
+            <p:nvSpPr>
+              <p:cNvPr id="7" name="TextBox 6">
+                <a:extLst>
+                  <a:ext uri="{FF2B5EF4-FFF2-40B4-BE49-F238E27FC236}">
+                    <a16:creationId xmlns:a16="http://schemas.microsoft.com/office/drawing/2014/main" id="{767B496E-06D1-4FAE-BCCA-4DF9A33010DF}"/>
+                  </a:ext>
+                </a:extLst>
+              </p:cNvPr>
+              <p:cNvSpPr txBox="1"/>
+              <p:nvPr/>
+            </p:nvSpPr>
+            <p:spPr>
+              <a:xfrm>
+                <a:off x="2790206" y="684285"/>
+                <a:ext cx="596702" cy="461665"/>
+              </a:xfrm>
+              <a:prstGeom prst="rect">
+                <a:avLst/>
+              </a:prstGeom>
+              <a:solidFill>
+                <a:schemeClr val="bg1"/>
+              </a:solidFill>
+            </p:spPr>
+            <p:txBody>
+              <a:bodyPr wrap="none" rtlCol="0">
+                <a:spAutoFit/>
+              </a:bodyPr>
+              <a:lstStyle/>
+              <a:p>
+                <a14:m>
+                  <m:oMathPara xmlns:m="http://schemas.openxmlformats.org/officeDocument/2006/math">
+                    <m:oMathParaPr>
+                      <m:jc m:val="centerGroup"/>
+                    </m:oMathParaPr>
+                    <m:oMath xmlns:m="http://schemas.openxmlformats.org/officeDocument/2006/math">
+                      <m:sSub>
+                        <m:sSubPr>
+                          <m:ctrlPr>
+                            <a:rPr lang="en-US" altLang="ko-KR" sz="2400" i="1" smtClean="0">
+                              <a:latin typeface="Cambria Math" panose="02040503050406030204" pitchFamily="18" charset="0"/>
+                              <a:ea typeface="바탕" panose="02030600000101010101" pitchFamily="18" charset="-127"/>
+                            </a:rPr>
+                          </m:ctrlPr>
+                        </m:sSubPr>
+                        <m:e>
+                          <m:r>
+                            <a:rPr lang="en-US" altLang="ko-KR" sz="2400" b="0" i="1" smtClean="0">
+                              <a:latin typeface="Cambria Math" panose="02040503050406030204" pitchFamily="18" charset="0"/>
+                              <a:ea typeface="바탕" panose="02030600000101010101" pitchFamily="18" charset="-127"/>
+                            </a:rPr>
+                            <m:t>𝑁</m:t>
+                          </m:r>
+                        </m:e>
+                        <m:sub>
+                          <m:r>
+                            <a:rPr lang="en-US" altLang="ko-KR" sz="2400" b="0" i="1" smtClean="0">
+                              <a:latin typeface="Cambria Math" panose="02040503050406030204" pitchFamily="18" charset="0"/>
+                              <a:ea typeface="바탕" panose="02030600000101010101" pitchFamily="18" charset="-127"/>
+                            </a:rPr>
+                            <m:t>2</m:t>
+                          </m:r>
+                        </m:sub>
+                      </m:sSub>
+                    </m:oMath>
+                  </m:oMathPara>
+                </a14:m>
+                <a:endParaRPr lang="ko-KR" altLang="en-US" sz="2400" i="1" dirty="0">
+                  <a:latin typeface="Adobe Devanagari" panose="02040503050201020203" pitchFamily="18" charset="0"/>
+                  <a:ea typeface="바탕" panose="02030600000101010101" pitchFamily="18" charset="-127"/>
+                  <a:cs typeface="Adobe Devanagari" panose="02040503050201020203" pitchFamily="18" charset="0"/>
+                </a:endParaRPr>
+              </a:p>
+            </p:txBody>
+          </p:sp>
+        </mc:Choice>
+        <mc:Fallback>
+          <p:sp>
+            <p:nvSpPr>
+              <p:cNvPr id="7" name="TextBox 6">
+                <a:extLst>
+                  <a:ext uri="{FF2B5EF4-FFF2-40B4-BE49-F238E27FC236}">
+                    <a16:creationId xmlns:a16="http://schemas.microsoft.com/office/drawing/2014/main" id="{767B496E-06D1-4FAE-BCCA-4DF9A33010DF}"/>
+                  </a:ext>
+                </a:extLst>
+              </p:cNvPr>
+              <p:cNvSpPr txBox="1">
+                <a:spLocks noRot="1" noChangeAspect="1" noMove="1" noResize="1" noEditPoints="1" noAdjustHandles="1" noChangeArrowheads="1" noChangeShapeType="1" noTextEdit="1"/>
+              </p:cNvSpPr>
+              <p:nvPr/>
+            </p:nvSpPr>
+            <p:spPr>
+              <a:xfrm>
+                <a:off x="2790206" y="684285"/>
+                <a:ext cx="596702" cy="461665"/>
+              </a:xfrm>
+              <a:prstGeom prst="rect">
+                <a:avLst/>
+              </a:prstGeom>
+              <a:blipFill>
+                <a:blip r:embed="rId2"/>
+                <a:stretch>
+                  <a:fillRect b="-1316"/>
+                </a:stretch>
+              </a:blipFill>
+            </p:spPr>
+            <p:txBody>
+              <a:bodyPr/>
+              <a:lstStyle/>
+              <a:p>
+                <a:r>
+                  <a:rPr lang="ko-KR" altLang="en-US">
+                    <a:noFill/>
+                  </a:rPr>
+                  <a:t> </a:t>
+                </a:r>
+              </a:p>
+            </p:txBody>
+          </p:sp>
+        </mc:Fallback>
+      </mc:AlternateContent>
       <p:cxnSp>
         <p:nvCxnSpPr>
           <p:cNvPr id="10" name="직선 화살표 연결선 9">
@@ -6990,52 +8008,130 @@
           </a:p>
         </p:txBody>
       </p:sp>
-      <p:sp>
-        <p:nvSpPr>
-          <p:cNvPr id="12" name="TextBox 11">
-            <a:extLst>
-              <a:ext uri="{FF2B5EF4-FFF2-40B4-BE49-F238E27FC236}">
-                <a16:creationId xmlns:a16="http://schemas.microsoft.com/office/drawing/2014/main" id="{857D7C81-DEF7-4107-B3FB-0C8988C7012F}"/>
-              </a:ext>
-            </a:extLst>
-          </p:cNvPr>
-          <p:cNvSpPr txBox="1"/>
-          <p:nvPr/>
-        </p:nvSpPr>
-        <p:spPr>
-          <a:xfrm>
-            <a:off x="4588559" y="684285"/>
-            <a:ext cx="360996" cy="461665"/>
-          </a:xfrm>
-          <a:prstGeom prst="rect">
-            <a:avLst/>
-          </a:prstGeom>
-          <a:solidFill>
-            <a:schemeClr val="bg1"/>
-          </a:solidFill>
-        </p:spPr>
-        <p:txBody>
-          <a:bodyPr wrap="none" rtlCol="0">
-            <a:spAutoFit/>
-          </a:bodyPr>
-          <a:lstStyle/>
-          <a:p>
-            <a:r>
-              <a:rPr lang="en-US" altLang="ko-KR" sz="2400" i="1" dirty="0">
-                <a:latin typeface="Adobe Devanagari" panose="02040503050201020203" pitchFamily="18" charset="0"/>
-                <a:ea typeface="바탕" panose="02030600000101010101" pitchFamily="18" charset="-127"/>
-                <a:cs typeface="Adobe Devanagari" panose="02040503050201020203" pitchFamily="18" charset="0"/>
-              </a:rPr>
-              <a:t>Y</a:t>
-            </a:r>
-            <a:endParaRPr lang="ko-KR" altLang="en-US" sz="2400" i="1" dirty="0">
-              <a:latin typeface="Adobe Devanagari" panose="02040503050201020203" pitchFamily="18" charset="0"/>
-              <a:ea typeface="바탕" panose="02030600000101010101" pitchFamily="18" charset="-127"/>
-              <a:cs typeface="Adobe Devanagari" panose="02040503050201020203" pitchFamily="18" charset="0"/>
-            </a:endParaRPr>
-          </a:p>
-        </p:txBody>
-      </p:sp>
+      <mc:AlternateContent xmlns:mc="http://schemas.openxmlformats.org/markup-compatibility/2006">
+        <mc:Choice xmlns:a14="http://schemas.microsoft.com/office/drawing/2010/main" Requires="a14">
+          <p:sp>
+            <p:nvSpPr>
+              <p:cNvPr id="12" name="TextBox 11">
+                <a:extLst>
+                  <a:ext uri="{FF2B5EF4-FFF2-40B4-BE49-F238E27FC236}">
+                    <a16:creationId xmlns:a16="http://schemas.microsoft.com/office/drawing/2014/main" id="{857D7C81-DEF7-4107-B3FB-0C8988C7012F}"/>
+                  </a:ext>
+                </a:extLst>
+              </p:cNvPr>
+              <p:cNvSpPr txBox="1"/>
+              <p:nvPr/>
+            </p:nvSpPr>
+            <p:spPr>
+              <a:xfrm>
+                <a:off x="4496199" y="684285"/>
+                <a:ext cx="596702" cy="461665"/>
+              </a:xfrm>
+              <a:prstGeom prst="rect">
+                <a:avLst/>
+              </a:prstGeom>
+              <a:solidFill>
+                <a:schemeClr val="bg1"/>
+              </a:solidFill>
+            </p:spPr>
+            <p:txBody>
+              <a:bodyPr wrap="none" rtlCol="0">
+                <a:spAutoFit/>
+              </a:bodyPr>
+              <a:lstStyle/>
+              <a:p>
+                <a:pPr/>
+                <a14:m>
+                  <m:oMathPara xmlns:m="http://schemas.openxmlformats.org/officeDocument/2006/math">
+                    <m:oMathParaPr>
+                      <m:jc m:val="centerGroup"/>
+                    </m:oMathParaPr>
+                    <m:oMath xmlns:m="http://schemas.openxmlformats.org/officeDocument/2006/math">
+                      <m:sSub>
+                        <m:sSubPr>
+                          <m:ctrlPr>
+                            <a:rPr lang="en-US" altLang="ko-KR" sz="2400" i="1" smtClean="0">
+                              <a:latin typeface="Cambria Math" panose="02040503050406030204" pitchFamily="18" charset="0"/>
+                              <a:ea typeface="바탕" panose="02030600000101010101" pitchFamily="18" charset="-127"/>
+                            </a:rPr>
+                          </m:ctrlPr>
+                        </m:sSubPr>
+                        <m:e>
+                          <m:r>
+                            <a:rPr lang="en-US" altLang="ko-KR" sz="2400" b="0" i="1" smtClean="0">
+                              <a:latin typeface="Cambria Math" panose="02040503050406030204" pitchFamily="18" charset="0"/>
+                              <a:ea typeface="바탕" panose="02030600000101010101" pitchFamily="18" charset="-127"/>
+                            </a:rPr>
+                            <m:t>𝑁</m:t>
+                          </m:r>
+                        </m:e>
+                        <m:sub>
+                          <m:r>
+                            <a:rPr lang="en-US" altLang="ko-KR" sz="2400" b="0" i="1" smtClean="0">
+                              <a:latin typeface="Cambria Math" panose="02040503050406030204" pitchFamily="18" charset="0"/>
+                              <a:ea typeface="바탕" panose="02030600000101010101" pitchFamily="18" charset="-127"/>
+                            </a:rPr>
+                            <m:t>2</m:t>
+                          </m:r>
+                        </m:sub>
+                      </m:sSub>
+                    </m:oMath>
+                  </m:oMathPara>
+                </a14:m>
+                <a:endParaRPr lang="ko-KR" altLang="en-US" sz="2400" i="1" dirty="0">
+                  <a:latin typeface="Adobe Devanagari" panose="02040503050201020203" pitchFamily="18" charset="0"/>
+                  <a:ea typeface="바탕" panose="02030600000101010101" pitchFamily="18" charset="-127"/>
+                  <a:cs typeface="Adobe Devanagari" panose="02040503050201020203" pitchFamily="18" charset="0"/>
+                </a:endParaRPr>
+              </a:p>
+            </p:txBody>
+          </p:sp>
+        </mc:Choice>
+        <mc:Fallback>
+          <p:sp>
+            <p:nvSpPr>
+              <p:cNvPr id="12" name="TextBox 11">
+                <a:extLst>
+                  <a:ext uri="{FF2B5EF4-FFF2-40B4-BE49-F238E27FC236}">
+                    <a16:creationId xmlns:a16="http://schemas.microsoft.com/office/drawing/2014/main" id="{857D7C81-DEF7-4107-B3FB-0C8988C7012F}"/>
+                  </a:ext>
+                </a:extLst>
+              </p:cNvPr>
+              <p:cNvSpPr txBox="1">
+                <a:spLocks noRot="1" noChangeAspect="1" noMove="1" noResize="1" noEditPoints="1" noAdjustHandles="1" noChangeArrowheads="1" noChangeShapeType="1" noTextEdit="1"/>
+              </p:cNvSpPr>
+              <p:nvPr/>
+            </p:nvSpPr>
+            <p:spPr>
+              <a:xfrm>
+                <a:off x="4496199" y="684285"/>
+                <a:ext cx="596702" cy="461665"/>
+              </a:xfrm>
+              <a:prstGeom prst="rect">
+                <a:avLst/>
+              </a:prstGeom>
+              <a:blipFill>
+                <a:blip r:embed="rId3"/>
+                <a:stretch>
+                  <a:fillRect b="-1316"/>
+                </a:stretch>
+              </a:blipFill>
+            </p:spPr>
+            <p:txBody>
+              <a:bodyPr/>
+              <a:lstStyle/>
+              <a:p>
+                <a:r>
+                  <a:rPr lang="ko-KR" altLang="en-US">
+                    <a:noFill/>
+                  </a:rPr>
+                  <a:t> </a:t>
+                </a:r>
+              </a:p>
+            </p:txBody>
+          </p:sp>
+        </mc:Fallback>
+      </mc:AlternateContent>
       <p:sp>
         <p:nvSpPr>
           <p:cNvPr id="16" name="사각형: 둥근 모서리 15">
@@ -7123,52 +8219,130 @@
           </a:p>
         </p:txBody>
       </p:sp>
-      <p:sp>
-        <p:nvSpPr>
-          <p:cNvPr id="17" name="TextBox 16">
-            <a:extLst>
-              <a:ext uri="{FF2B5EF4-FFF2-40B4-BE49-F238E27FC236}">
-                <a16:creationId xmlns:a16="http://schemas.microsoft.com/office/drawing/2014/main" id="{BA002CE3-51B1-4107-9FFA-14EA838BA661}"/>
-              </a:ext>
-            </a:extLst>
-          </p:cNvPr>
-          <p:cNvSpPr txBox="1"/>
-          <p:nvPr/>
-        </p:nvSpPr>
-        <p:spPr>
-          <a:xfrm>
-            <a:off x="6725025" y="684285"/>
-            <a:ext cx="369012" cy="461665"/>
-          </a:xfrm>
-          <a:prstGeom prst="rect">
-            <a:avLst/>
-          </a:prstGeom>
-          <a:solidFill>
-            <a:schemeClr val="bg1"/>
-          </a:solidFill>
-        </p:spPr>
-        <p:txBody>
-          <a:bodyPr wrap="none" rtlCol="0">
-            <a:spAutoFit/>
-          </a:bodyPr>
-          <a:lstStyle/>
-          <a:p>
-            <a:r>
-              <a:rPr lang="en-US" altLang="ko-KR" sz="2400" i="1" dirty="0">
-                <a:latin typeface="Adobe Devanagari" panose="02040503050201020203" pitchFamily="18" charset="0"/>
-                <a:ea typeface="바탕" panose="02030600000101010101" pitchFamily="18" charset="-127"/>
-                <a:cs typeface="Adobe Devanagari" panose="02040503050201020203" pitchFamily="18" charset="0"/>
-              </a:rPr>
-              <a:t>X</a:t>
-            </a:r>
-            <a:endParaRPr lang="ko-KR" altLang="en-US" sz="2400" i="1" dirty="0">
-              <a:latin typeface="Adobe Devanagari" panose="02040503050201020203" pitchFamily="18" charset="0"/>
-              <a:ea typeface="바탕" panose="02030600000101010101" pitchFamily="18" charset="-127"/>
-              <a:cs typeface="Adobe Devanagari" panose="02040503050201020203" pitchFamily="18" charset="0"/>
-            </a:endParaRPr>
-          </a:p>
-        </p:txBody>
-      </p:sp>
+      <mc:AlternateContent xmlns:mc="http://schemas.openxmlformats.org/markup-compatibility/2006">
+        <mc:Choice xmlns:a14="http://schemas.microsoft.com/office/drawing/2010/main" Requires="a14">
+          <p:sp>
+            <p:nvSpPr>
+              <p:cNvPr id="17" name="TextBox 16">
+                <a:extLst>
+                  <a:ext uri="{FF2B5EF4-FFF2-40B4-BE49-F238E27FC236}">
+                    <a16:creationId xmlns:a16="http://schemas.microsoft.com/office/drawing/2014/main" id="{BA002CE3-51B1-4107-9FFA-14EA838BA661}"/>
+                  </a:ext>
+                </a:extLst>
+              </p:cNvPr>
+              <p:cNvSpPr txBox="1"/>
+              <p:nvPr/>
+            </p:nvSpPr>
+            <p:spPr>
+              <a:xfrm>
+                <a:off x="6632665" y="684285"/>
+                <a:ext cx="596702" cy="461665"/>
+              </a:xfrm>
+              <a:prstGeom prst="rect">
+                <a:avLst/>
+              </a:prstGeom>
+              <a:solidFill>
+                <a:schemeClr val="bg1"/>
+              </a:solidFill>
+            </p:spPr>
+            <p:txBody>
+              <a:bodyPr wrap="none" rtlCol="0">
+                <a:spAutoFit/>
+              </a:bodyPr>
+              <a:lstStyle/>
+              <a:p>
+                <a:pPr/>
+                <a14:m>
+                  <m:oMathPara xmlns:m="http://schemas.openxmlformats.org/officeDocument/2006/math">
+                    <m:oMathParaPr>
+                      <m:jc m:val="centerGroup"/>
+                    </m:oMathParaPr>
+                    <m:oMath xmlns:m="http://schemas.openxmlformats.org/officeDocument/2006/math">
+                      <m:sSub>
+                        <m:sSubPr>
+                          <m:ctrlPr>
+                            <a:rPr lang="en-US" altLang="ko-KR" sz="2400" i="1" smtClean="0">
+                              <a:latin typeface="Cambria Math" panose="02040503050406030204" pitchFamily="18" charset="0"/>
+                              <a:ea typeface="바탕" panose="02030600000101010101" pitchFamily="18" charset="-127"/>
+                            </a:rPr>
+                          </m:ctrlPr>
+                        </m:sSubPr>
+                        <m:e>
+                          <m:r>
+                            <a:rPr lang="en-US" altLang="ko-KR" sz="2400" b="0" i="1" smtClean="0">
+                              <a:latin typeface="Cambria Math" panose="02040503050406030204" pitchFamily="18" charset="0"/>
+                              <a:ea typeface="바탕" panose="02030600000101010101" pitchFamily="18" charset="-127"/>
+                            </a:rPr>
+                            <m:t>𝑁</m:t>
+                          </m:r>
+                        </m:e>
+                        <m:sub>
+                          <m:r>
+                            <a:rPr lang="en-US" altLang="ko-KR" sz="2400" b="0" i="1" smtClean="0">
+                              <a:latin typeface="Cambria Math" panose="02040503050406030204" pitchFamily="18" charset="0"/>
+                              <a:ea typeface="바탕" panose="02030600000101010101" pitchFamily="18" charset="-127"/>
+                            </a:rPr>
+                            <m:t>2</m:t>
+                          </m:r>
+                        </m:sub>
+                      </m:sSub>
+                    </m:oMath>
+                  </m:oMathPara>
+                </a14:m>
+                <a:endParaRPr lang="ko-KR" altLang="en-US" sz="2400" i="1" dirty="0">
+                  <a:latin typeface="Adobe Devanagari" panose="02040503050201020203" pitchFamily="18" charset="0"/>
+                  <a:ea typeface="바탕" panose="02030600000101010101" pitchFamily="18" charset="-127"/>
+                  <a:cs typeface="Adobe Devanagari" panose="02040503050201020203" pitchFamily="18" charset="0"/>
+                </a:endParaRPr>
+              </a:p>
+            </p:txBody>
+          </p:sp>
+        </mc:Choice>
+        <mc:Fallback>
+          <p:sp>
+            <p:nvSpPr>
+              <p:cNvPr id="17" name="TextBox 16">
+                <a:extLst>
+                  <a:ext uri="{FF2B5EF4-FFF2-40B4-BE49-F238E27FC236}">
+                    <a16:creationId xmlns:a16="http://schemas.microsoft.com/office/drawing/2014/main" id="{BA002CE3-51B1-4107-9FFA-14EA838BA661}"/>
+                  </a:ext>
+                </a:extLst>
+              </p:cNvPr>
+              <p:cNvSpPr txBox="1">
+                <a:spLocks noRot="1" noChangeAspect="1" noMove="1" noResize="1" noEditPoints="1" noAdjustHandles="1" noChangeArrowheads="1" noChangeShapeType="1" noTextEdit="1"/>
+              </p:cNvSpPr>
+              <p:nvPr/>
+            </p:nvSpPr>
+            <p:spPr>
+              <a:xfrm>
+                <a:off x="6632665" y="684285"/>
+                <a:ext cx="596702" cy="461665"/>
+              </a:xfrm>
+              <a:prstGeom prst="rect">
+                <a:avLst/>
+              </a:prstGeom>
+              <a:blipFill>
+                <a:blip r:embed="rId4"/>
+                <a:stretch>
+                  <a:fillRect b="-1316"/>
+                </a:stretch>
+              </a:blipFill>
+            </p:spPr>
+            <p:txBody>
+              <a:bodyPr/>
+              <a:lstStyle/>
+              <a:p>
+                <a:r>
+                  <a:rPr lang="ko-KR" altLang="en-US">
+                    <a:noFill/>
+                  </a:rPr>
+                  <a:t> </a:t>
+                </a:r>
+              </a:p>
+            </p:txBody>
+          </p:sp>
+        </mc:Fallback>
+      </mc:AlternateContent>
       <p:sp>
         <p:nvSpPr>
           <p:cNvPr id="19" name="사각형: 둥근 모서리 18">
@@ -7253,52 +8427,130 @@
           </a:p>
         </p:txBody>
       </p:sp>
-      <p:sp>
-        <p:nvSpPr>
-          <p:cNvPr id="20" name="TextBox 19">
-            <a:extLst>
-              <a:ext uri="{FF2B5EF4-FFF2-40B4-BE49-F238E27FC236}">
-                <a16:creationId xmlns:a16="http://schemas.microsoft.com/office/drawing/2014/main" id="{A771A018-C1E7-42E0-810B-7316BAAD16A5}"/>
-              </a:ext>
-            </a:extLst>
-          </p:cNvPr>
-          <p:cNvSpPr txBox="1"/>
-          <p:nvPr/>
-        </p:nvSpPr>
-        <p:spPr>
-          <a:xfrm>
-            <a:off x="8431018" y="684285"/>
-            <a:ext cx="360996" cy="461665"/>
-          </a:xfrm>
-          <a:prstGeom prst="rect">
-            <a:avLst/>
-          </a:prstGeom>
-          <a:solidFill>
-            <a:schemeClr val="bg1"/>
-          </a:solidFill>
-        </p:spPr>
-        <p:txBody>
-          <a:bodyPr wrap="none" rtlCol="0">
-            <a:spAutoFit/>
-          </a:bodyPr>
-          <a:lstStyle/>
-          <a:p>
-            <a:r>
-              <a:rPr lang="en-US" altLang="ko-KR" sz="2400" i="1" dirty="0">
-                <a:latin typeface="Adobe Devanagari" panose="02040503050201020203" pitchFamily="18" charset="0"/>
-                <a:ea typeface="바탕" panose="02030600000101010101" pitchFamily="18" charset="-127"/>
-                <a:cs typeface="Adobe Devanagari" panose="02040503050201020203" pitchFamily="18" charset="0"/>
-              </a:rPr>
-              <a:t>Y</a:t>
-            </a:r>
-            <a:endParaRPr lang="ko-KR" altLang="en-US" sz="2400" i="1" dirty="0">
-              <a:latin typeface="Adobe Devanagari" panose="02040503050201020203" pitchFamily="18" charset="0"/>
-              <a:ea typeface="바탕" panose="02030600000101010101" pitchFamily="18" charset="-127"/>
-              <a:cs typeface="Adobe Devanagari" panose="02040503050201020203" pitchFamily="18" charset="0"/>
-            </a:endParaRPr>
-          </a:p>
-        </p:txBody>
-      </p:sp>
+      <mc:AlternateContent xmlns:mc="http://schemas.openxmlformats.org/markup-compatibility/2006">
+        <mc:Choice xmlns:a14="http://schemas.microsoft.com/office/drawing/2010/main" Requires="a14">
+          <p:sp>
+            <p:nvSpPr>
+              <p:cNvPr id="20" name="TextBox 19">
+                <a:extLst>
+                  <a:ext uri="{FF2B5EF4-FFF2-40B4-BE49-F238E27FC236}">
+                    <a16:creationId xmlns:a16="http://schemas.microsoft.com/office/drawing/2014/main" id="{A771A018-C1E7-42E0-810B-7316BAAD16A5}"/>
+                  </a:ext>
+                </a:extLst>
+              </p:cNvPr>
+              <p:cNvSpPr txBox="1"/>
+              <p:nvPr/>
+            </p:nvSpPr>
+            <p:spPr>
+              <a:xfrm>
+                <a:off x="8338658" y="684285"/>
+                <a:ext cx="596702" cy="461665"/>
+              </a:xfrm>
+              <a:prstGeom prst="rect">
+                <a:avLst/>
+              </a:prstGeom>
+              <a:solidFill>
+                <a:schemeClr val="bg1"/>
+              </a:solidFill>
+            </p:spPr>
+            <p:txBody>
+              <a:bodyPr wrap="none" rtlCol="0">
+                <a:spAutoFit/>
+              </a:bodyPr>
+              <a:lstStyle/>
+              <a:p>
+                <a:pPr/>
+                <a14:m>
+                  <m:oMathPara xmlns:m="http://schemas.openxmlformats.org/officeDocument/2006/math">
+                    <m:oMathParaPr>
+                      <m:jc m:val="centerGroup"/>
+                    </m:oMathParaPr>
+                    <m:oMath xmlns:m="http://schemas.openxmlformats.org/officeDocument/2006/math">
+                      <m:sSub>
+                        <m:sSubPr>
+                          <m:ctrlPr>
+                            <a:rPr lang="en-US" altLang="ko-KR" sz="2400" i="1" smtClean="0">
+                              <a:latin typeface="Cambria Math" panose="02040503050406030204" pitchFamily="18" charset="0"/>
+                              <a:ea typeface="바탕" panose="02030600000101010101" pitchFamily="18" charset="-127"/>
+                            </a:rPr>
+                          </m:ctrlPr>
+                        </m:sSubPr>
+                        <m:e>
+                          <m:r>
+                            <a:rPr lang="en-US" altLang="ko-KR" sz="2400" b="0" i="1" smtClean="0">
+                              <a:latin typeface="Cambria Math" panose="02040503050406030204" pitchFamily="18" charset="0"/>
+                              <a:ea typeface="바탕" panose="02030600000101010101" pitchFamily="18" charset="-127"/>
+                            </a:rPr>
+                            <m:t>𝑁</m:t>
+                          </m:r>
+                        </m:e>
+                        <m:sub>
+                          <m:r>
+                            <a:rPr lang="en-US" altLang="ko-KR" sz="2400" b="0" i="1" smtClean="0">
+                              <a:latin typeface="Cambria Math" panose="02040503050406030204" pitchFamily="18" charset="0"/>
+                              <a:ea typeface="바탕" panose="02030600000101010101" pitchFamily="18" charset="-127"/>
+                            </a:rPr>
+                            <m:t>2</m:t>
+                          </m:r>
+                        </m:sub>
+                      </m:sSub>
+                    </m:oMath>
+                  </m:oMathPara>
+                </a14:m>
+                <a:endParaRPr lang="ko-KR" altLang="en-US" sz="2400" i="1" dirty="0">
+                  <a:latin typeface="Adobe Devanagari" panose="02040503050201020203" pitchFamily="18" charset="0"/>
+                  <a:ea typeface="바탕" panose="02030600000101010101" pitchFamily="18" charset="-127"/>
+                  <a:cs typeface="Adobe Devanagari" panose="02040503050201020203" pitchFamily="18" charset="0"/>
+                </a:endParaRPr>
+              </a:p>
+            </p:txBody>
+          </p:sp>
+        </mc:Choice>
+        <mc:Fallback>
+          <p:sp>
+            <p:nvSpPr>
+              <p:cNvPr id="20" name="TextBox 19">
+                <a:extLst>
+                  <a:ext uri="{FF2B5EF4-FFF2-40B4-BE49-F238E27FC236}">
+                    <a16:creationId xmlns:a16="http://schemas.microsoft.com/office/drawing/2014/main" id="{A771A018-C1E7-42E0-810B-7316BAAD16A5}"/>
+                  </a:ext>
+                </a:extLst>
+              </p:cNvPr>
+              <p:cNvSpPr txBox="1">
+                <a:spLocks noRot="1" noChangeAspect="1" noMove="1" noResize="1" noEditPoints="1" noAdjustHandles="1" noChangeArrowheads="1" noChangeShapeType="1" noTextEdit="1"/>
+              </p:cNvSpPr>
+              <p:nvPr/>
+            </p:nvSpPr>
+            <p:spPr>
+              <a:xfrm>
+                <a:off x="8338658" y="684285"/>
+                <a:ext cx="596702" cy="461665"/>
+              </a:xfrm>
+              <a:prstGeom prst="rect">
+                <a:avLst/>
+              </a:prstGeom>
+              <a:blipFill>
+                <a:blip r:embed="rId5"/>
+                <a:stretch>
+                  <a:fillRect b="-1316"/>
+                </a:stretch>
+              </a:blipFill>
+            </p:spPr>
+            <p:txBody>
+              <a:bodyPr/>
+              <a:lstStyle/>
+              <a:p>
+                <a:r>
+                  <a:rPr lang="ko-KR" altLang="en-US">
+                    <a:noFill/>
+                  </a:rPr>
+                  <a:t> </a:t>
+                </a:r>
+              </a:p>
+            </p:txBody>
+          </p:sp>
+        </mc:Fallback>
+      </mc:AlternateContent>
       <p:cxnSp>
         <p:nvCxnSpPr>
           <p:cNvPr id="6" name="직선 화살표 연결선 9">
@@ -7431,8 +8683,8 @@
           </a:fontRef>
         </p:style>
       </p:cxnSp>
-      <mc:AlternateContent xmlns:mc="http://schemas.openxmlformats.org/markup-compatibility/2006">
-        <mc:Choice xmlns:a14="http://schemas.microsoft.com/office/drawing/2010/main" Requires="a14">
+      <mc:AlternateContent xmlns:mc="http://schemas.openxmlformats.org/markup-compatibility/2006" xmlns:a14="http://schemas.microsoft.com/office/drawing/2010/main">
+        <mc:Choice Requires="a14">
           <p:sp>
             <p:nvSpPr>
               <p:cNvPr id="67" name="TextBox 66">
@@ -7461,6 +8713,7 @@
               </a:bodyPr>
               <a:lstStyle/>
               <a:p>
+                <a:pPr/>
                 <a14:m>
                   <m:oMathPara xmlns:m="http://schemas.openxmlformats.org/officeDocument/2006/math">
                     <m:oMathParaPr>
@@ -7503,7 +8756,7 @@
             </p:txBody>
           </p:sp>
         </mc:Choice>
-        <mc:Fallback>
+        <mc:Fallback xmlns="">
           <p:sp>
             <p:nvSpPr>
               <p:cNvPr id="67" name="TextBox 66">
@@ -7527,7 +8780,7 @@
                 <a:avLst/>
               </a:prstGeom>
               <a:blipFill>
-                <a:blip r:embed="rId2"/>
+                <a:blip r:embed="rId6"/>
                 <a:stretch>
                   <a:fillRect b="-1639"/>
                 </a:stretch>
@@ -7548,8 +8801,8 @@
           </p:sp>
         </mc:Fallback>
       </mc:AlternateContent>
-      <mc:AlternateContent xmlns:mc="http://schemas.openxmlformats.org/markup-compatibility/2006">
-        <mc:Choice xmlns:a14="http://schemas.microsoft.com/office/drawing/2010/main" Requires="a14">
+      <mc:AlternateContent xmlns:mc="http://schemas.openxmlformats.org/markup-compatibility/2006" xmlns:a14="http://schemas.microsoft.com/office/drawing/2010/main">
+        <mc:Choice Requires="a14">
           <p:sp>
             <p:nvSpPr>
               <p:cNvPr id="74" name="TextBox 73">
@@ -7578,6 +8831,7 @@
               </a:bodyPr>
               <a:lstStyle/>
               <a:p>
+                <a:pPr/>
                 <a14:m>
                   <m:oMathPara xmlns:m="http://schemas.openxmlformats.org/officeDocument/2006/math">
                     <m:oMathParaPr>
@@ -7620,7 +8874,7 @@
             </p:txBody>
           </p:sp>
         </mc:Choice>
-        <mc:Fallback>
+        <mc:Fallback xmlns="">
           <p:sp>
             <p:nvSpPr>
               <p:cNvPr id="74" name="TextBox 73">
@@ -7644,7 +8898,7 @@
                 <a:avLst/>
               </a:prstGeom>
               <a:blipFill>
-                <a:blip r:embed="rId3"/>
+                <a:blip r:embed="rId7"/>
                 <a:stretch>
                   <a:fillRect b="-1639"/>
                 </a:stretch>
